--- a/notes.pptx
+++ b/notes.pptx
@@ -12,6 +12,16 @@
     <p:sldId id="260" r:id="rId6"/>
     <p:sldId id="261" r:id="rId7"/>
     <p:sldId id="262" r:id="rId8"/>
+    <p:sldId id="263" r:id="rId9"/>
+    <p:sldId id="264" r:id="rId10"/>
+    <p:sldId id="265" r:id="rId11"/>
+    <p:sldId id="266" r:id="rId12"/>
+    <p:sldId id="267" r:id="rId13"/>
+    <p:sldId id="268" r:id="rId14"/>
+    <p:sldId id="269" r:id="rId15"/>
+    <p:sldId id="270" r:id="rId16"/>
+    <p:sldId id="271" r:id="rId17"/>
+    <p:sldId id="272" r:id="rId18"/>
   </p:sldIdLst>
   <p:sldSz cx="12192000" cy="6858000"/>
   <p:notesSz cx="6858000" cy="9144000"/>
@@ -267,7 +277,7 @@
           <a:p>
             <a:fld id="{EB4F6313-F5A6-482D-ACC2-9EB96679E8A7}" type="datetimeFigureOut">
               <a:rPr lang="fr-FR" smtClean="0"/>
-              <a:t>30/05/2022</a:t>
+              <a:t>31/05/2022</a:t>
             </a:fld>
             <a:endParaRPr lang="fr-FR"/>
           </a:p>
@@ -467,7 +477,7 @@
           <a:p>
             <a:fld id="{EB4F6313-F5A6-482D-ACC2-9EB96679E8A7}" type="datetimeFigureOut">
               <a:rPr lang="fr-FR" smtClean="0"/>
-              <a:t>30/05/2022</a:t>
+              <a:t>31/05/2022</a:t>
             </a:fld>
             <a:endParaRPr lang="fr-FR"/>
           </a:p>
@@ -677,7 +687,7 @@
           <a:p>
             <a:fld id="{EB4F6313-F5A6-482D-ACC2-9EB96679E8A7}" type="datetimeFigureOut">
               <a:rPr lang="fr-FR" smtClean="0"/>
-              <a:t>30/05/2022</a:t>
+              <a:t>31/05/2022</a:t>
             </a:fld>
             <a:endParaRPr lang="fr-FR"/>
           </a:p>
@@ -877,7 +887,7 @@
           <a:p>
             <a:fld id="{EB4F6313-F5A6-482D-ACC2-9EB96679E8A7}" type="datetimeFigureOut">
               <a:rPr lang="fr-FR" smtClean="0"/>
-              <a:t>30/05/2022</a:t>
+              <a:t>31/05/2022</a:t>
             </a:fld>
             <a:endParaRPr lang="fr-FR"/>
           </a:p>
@@ -1153,7 +1163,7 @@
           <a:p>
             <a:fld id="{EB4F6313-F5A6-482D-ACC2-9EB96679E8A7}" type="datetimeFigureOut">
               <a:rPr lang="fr-FR" smtClean="0"/>
-              <a:t>30/05/2022</a:t>
+              <a:t>31/05/2022</a:t>
             </a:fld>
             <a:endParaRPr lang="fr-FR"/>
           </a:p>
@@ -1421,7 +1431,7 @@
           <a:p>
             <a:fld id="{EB4F6313-F5A6-482D-ACC2-9EB96679E8A7}" type="datetimeFigureOut">
               <a:rPr lang="fr-FR" smtClean="0"/>
-              <a:t>30/05/2022</a:t>
+              <a:t>31/05/2022</a:t>
             </a:fld>
             <a:endParaRPr lang="fr-FR"/>
           </a:p>
@@ -1836,7 +1846,7 @@
           <a:p>
             <a:fld id="{EB4F6313-F5A6-482D-ACC2-9EB96679E8A7}" type="datetimeFigureOut">
               <a:rPr lang="fr-FR" smtClean="0"/>
-              <a:t>30/05/2022</a:t>
+              <a:t>31/05/2022</a:t>
             </a:fld>
             <a:endParaRPr lang="fr-FR"/>
           </a:p>
@@ -1978,7 +1988,7 @@
           <a:p>
             <a:fld id="{EB4F6313-F5A6-482D-ACC2-9EB96679E8A7}" type="datetimeFigureOut">
               <a:rPr lang="fr-FR" smtClean="0"/>
-              <a:t>30/05/2022</a:t>
+              <a:t>31/05/2022</a:t>
             </a:fld>
             <a:endParaRPr lang="fr-FR"/>
           </a:p>
@@ -2091,7 +2101,7 @@
           <a:p>
             <a:fld id="{EB4F6313-F5A6-482D-ACC2-9EB96679E8A7}" type="datetimeFigureOut">
               <a:rPr lang="fr-FR" smtClean="0"/>
-              <a:t>30/05/2022</a:t>
+              <a:t>31/05/2022</a:t>
             </a:fld>
             <a:endParaRPr lang="fr-FR"/>
           </a:p>
@@ -2404,7 +2414,7 @@
           <a:p>
             <a:fld id="{EB4F6313-F5A6-482D-ACC2-9EB96679E8A7}" type="datetimeFigureOut">
               <a:rPr lang="fr-FR" smtClean="0"/>
-              <a:t>30/05/2022</a:t>
+              <a:t>31/05/2022</a:t>
             </a:fld>
             <a:endParaRPr lang="fr-FR"/>
           </a:p>
@@ -2693,7 +2703,7 @@
           <a:p>
             <a:fld id="{EB4F6313-F5A6-482D-ACC2-9EB96679E8A7}" type="datetimeFigureOut">
               <a:rPr lang="fr-FR" smtClean="0"/>
-              <a:t>30/05/2022</a:t>
+              <a:t>31/05/2022</a:t>
             </a:fld>
             <a:endParaRPr lang="fr-FR"/>
           </a:p>
@@ -2936,7 +2946,7 @@
           <a:p>
             <a:fld id="{EB4F6313-F5A6-482D-ACC2-9EB96679E8A7}" type="datetimeFigureOut">
               <a:rPr lang="fr-FR" smtClean="0"/>
-              <a:t>30/05/2022</a:t>
+              <a:t>31/05/2022</a:t>
             </a:fld>
             <a:endParaRPr lang="fr-FR"/>
           </a:p>
@@ -3427,6 +3437,4035 @@
 </p:sld>
 </file>
 
+<file path=ppt/slides/slide10.xml><?xml version="1.0" encoding="utf-8"?>
+<p:sld xmlns:a="http://schemas.openxmlformats.org/drawingml/2006/main" xmlns:r="http://schemas.openxmlformats.org/officeDocument/2006/relationships" xmlns:p="http://schemas.openxmlformats.org/presentationml/2006/main">
+  <p:cSld>
+    <p:spTree>
+      <p:nvGrpSpPr>
+        <p:cNvPr id="1" name=""/>
+        <p:cNvGrpSpPr/>
+        <p:nvPr/>
+      </p:nvGrpSpPr>
+      <p:grpSpPr>
+        <a:xfrm>
+          <a:off x="0" y="0"/>
+          <a:ext cx="0" cy="0"/>
+          <a:chOff x="0" y="0"/>
+          <a:chExt cx="0" cy="0"/>
+        </a:xfrm>
+      </p:grpSpPr>
+      <p:cxnSp>
+        <p:nvCxnSpPr>
+          <p:cNvPr id="5" name="Straight Arrow Connector 4">
+            <a:extLst>
+              <a:ext uri="{FF2B5EF4-FFF2-40B4-BE49-F238E27FC236}">
+                <a16:creationId xmlns:a16="http://schemas.microsoft.com/office/drawing/2014/main" id="{4D7C1140-907A-4D96-A64E-817839C2848A}"/>
+              </a:ext>
+            </a:extLst>
+          </p:cNvPr>
+          <p:cNvCxnSpPr/>
+          <p:nvPr/>
+        </p:nvCxnSpPr>
+        <p:spPr>
+          <a:xfrm flipV="1">
+            <a:off x="294688" y="1430104"/>
+            <a:ext cx="11692186" cy="34669"/>
+          </a:xfrm>
+          <a:prstGeom prst="straightConnector1">
+            <a:avLst/>
+          </a:prstGeom>
+          <a:ln w="76200">
+            <a:tailEnd type="triangle"/>
+          </a:ln>
+        </p:spPr>
+        <p:style>
+          <a:lnRef idx="1">
+            <a:schemeClr val="accent1"/>
+          </a:lnRef>
+          <a:fillRef idx="0">
+            <a:schemeClr val="accent1"/>
+          </a:fillRef>
+          <a:effectRef idx="0">
+            <a:schemeClr val="accent1"/>
+          </a:effectRef>
+          <a:fontRef idx="minor">
+            <a:schemeClr val="tx1"/>
+          </a:fontRef>
+        </p:style>
+      </p:cxnSp>
+      <p:cxnSp>
+        <p:nvCxnSpPr>
+          <p:cNvPr id="7" name="Straight Connector 6">
+            <a:extLst>
+              <a:ext uri="{FF2B5EF4-FFF2-40B4-BE49-F238E27FC236}">
+                <a16:creationId xmlns:a16="http://schemas.microsoft.com/office/drawing/2014/main" id="{758209FB-C24C-4656-BC24-AA13ADC89318}"/>
+              </a:ext>
+            </a:extLst>
+          </p:cNvPr>
+          <p:cNvCxnSpPr>
+            <a:cxnSpLocks/>
+          </p:cNvCxnSpPr>
+          <p:nvPr/>
+        </p:nvCxnSpPr>
+        <p:spPr>
+          <a:xfrm>
+            <a:off x="416030" y="1269759"/>
+            <a:ext cx="0" cy="502704"/>
+          </a:xfrm>
+          <a:prstGeom prst="line">
+            <a:avLst/>
+          </a:prstGeom>
+          <a:ln w="76200"/>
+        </p:spPr>
+        <p:style>
+          <a:lnRef idx="1">
+            <a:schemeClr val="accent1"/>
+          </a:lnRef>
+          <a:fillRef idx="0">
+            <a:schemeClr val="accent1"/>
+          </a:fillRef>
+          <a:effectRef idx="0">
+            <a:schemeClr val="accent1"/>
+          </a:effectRef>
+          <a:fontRef idx="minor">
+            <a:schemeClr val="tx1"/>
+          </a:fontRef>
+        </p:style>
+      </p:cxnSp>
+      <p:sp>
+        <p:nvSpPr>
+          <p:cNvPr id="8" name="TextBox 7">
+            <a:extLst>
+              <a:ext uri="{FF2B5EF4-FFF2-40B4-BE49-F238E27FC236}">
+                <a16:creationId xmlns:a16="http://schemas.microsoft.com/office/drawing/2014/main" id="{82B865E2-D546-4F14-B4AD-580BCC904097}"/>
+              </a:ext>
+            </a:extLst>
+          </p:cNvPr>
+          <p:cNvSpPr txBox="1"/>
+          <p:nvPr/>
+        </p:nvSpPr>
+        <p:spPr>
+          <a:xfrm>
+            <a:off x="169012" y="2002146"/>
+            <a:ext cx="1094915" cy="923330"/>
+          </a:xfrm>
+          <a:prstGeom prst="rect">
+            <a:avLst/>
+          </a:prstGeom>
+          <a:noFill/>
+        </p:spPr>
+        <p:txBody>
+          <a:bodyPr wrap="none" rtlCol="0">
+            <a:spAutoFit/>
+          </a:bodyPr>
+          <a:lstStyle/>
+          <a:p>
+            <a:r>
+              <a:rPr lang="fr-FR" dirty="0"/>
+              <a:t>1995</a:t>
+            </a:r>
+          </a:p>
+          <a:p>
+            <a:r>
+              <a:rPr lang="fr-FR" dirty="0"/>
+              <a:t>Netscape</a:t>
+            </a:r>
+          </a:p>
+          <a:p>
+            <a:r>
+              <a:rPr lang="fr-FR" dirty="0"/>
+              <a:t>Javascript</a:t>
+            </a:r>
+          </a:p>
+        </p:txBody>
+      </p:sp>
+      <p:cxnSp>
+        <p:nvCxnSpPr>
+          <p:cNvPr id="10" name="Straight Connector 9">
+            <a:extLst>
+              <a:ext uri="{FF2B5EF4-FFF2-40B4-BE49-F238E27FC236}">
+                <a16:creationId xmlns:a16="http://schemas.microsoft.com/office/drawing/2014/main" id="{D07ACD09-F13A-4FDA-A88A-9772DFF860A6}"/>
+              </a:ext>
+            </a:extLst>
+          </p:cNvPr>
+          <p:cNvCxnSpPr/>
+          <p:nvPr/>
+        </p:nvCxnSpPr>
+        <p:spPr>
+          <a:xfrm>
+            <a:off x="1456106" y="1148417"/>
+            <a:ext cx="0" cy="2067151"/>
+          </a:xfrm>
+          <a:prstGeom prst="line">
+            <a:avLst/>
+          </a:prstGeom>
+          <a:ln w="76200"/>
+        </p:spPr>
+        <p:style>
+          <a:lnRef idx="1">
+            <a:schemeClr val="accent1"/>
+          </a:lnRef>
+          <a:fillRef idx="0">
+            <a:schemeClr val="accent1"/>
+          </a:fillRef>
+          <a:effectRef idx="0">
+            <a:schemeClr val="accent1"/>
+          </a:effectRef>
+          <a:fontRef idx="minor">
+            <a:schemeClr val="tx1"/>
+          </a:fontRef>
+        </p:style>
+      </p:cxnSp>
+      <p:sp>
+        <p:nvSpPr>
+          <p:cNvPr id="11" name="TextBox 10">
+            <a:extLst>
+              <a:ext uri="{FF2B5EF4-FFF2-40B4-BE49-F238E27FC236}">
+                <a16:creationId xmlns:a16="http://schemas.microsoft.com/office/drawing/2014/main" id="{9FA329F0-B9CE-4198-844B-584C4F931AA5}"/>
+              </a:ext>
+            </a:extLst>
+          </p:cNvPr>
+          <p:cNvSpPr txBox="1"/>
+          <p:nvPr/>
+        </p:nvSpPr>
+        <p:spPr>
+          <a:xfrm>
+            <a:off x="1191754" y="3375913"/>
+            <a:ext cx="1282210" cy="923330"/>
+          </a:xfrm>
+          <a:prstGeom prst="rect">
+            <a:avLst/>
+          </a:prstGeom>
+          <a:noFill/>
+        </p:spPr>
+        <p:txBody>
+          <a:bodyPr wrap="none" rtlCol="0">
+            <a:spAutoFit/>
+          </a:bodyPr>
+          <a:lstStyle/>
+          <a:p>
+            <a:r>
+              <a:rPr lang="fr-FR" dirty="0"/>
+              <a:t>1997</a:t>
+            </a:r>
+          </a:p>
+          <a:p>
+            <a:r>
+              <a:rPr lang="fr-FR" dirty="0" err="1"/>
+              <a:t>ECMAScript</a:t>
+            </a:r>
+            <a:endParaRPr lang="fr-FR" dirty="0"/>
+          </a:p>
+          <a:p>
+            <a:r>
+              <a:rPr lang="fr-FR" dirty="0"/>
+              <a:t>v1</a:t>
+            </a:r>
+          </a:p>
+        </p:txBody>
+      </p:sp>
+      <p:cxnSp>
+        <p:nvCxnSpPr>
+          <p:cNvPr id="13" name="Straight Connector 12">
+            <a:extLst>
+              <a:ext uri="{FF2B5EF4-FFF2-40B4-BE49-F238E27FC236}">
+                <a16:creationId xmlns:a16="http://schemas.microsoft.com/office/drawing/2014/main" id="{EAB9192C-1D20-4172-9AC3-B5468E6819A7}"/>
+              </a:ext>
+            </a:extLst>
+          </p:cNvPr>
+          <p:cNvCxnSpPr/>
+          <p:nvPr/>
+        </p:nvCxnSpPr>
+        <p:spPr>
+          <a:xfrm>
+            <a:off x="1794131" y="1313096"/>
+            <a:ext cx="0" cy="416030"/>
+          </a:xfrm>
+          <a:prstGeom prst="line">
+            <a:avLst/>
+          </a:prstGeom>
+          <a:ln w="76200"/>
+        </p:spPr>
+        <p:style>
+          <a:lnRef idx="1">
+            <a:schemeClr val="accent1"/>
+          </a:lnRef>
+          <a:fillRef idx="0">
+            <a:schemeClr val="accent1"/>
+          </a:fillRef>
+          <a:effectRef idx="0">
+            <a:schemeClr val="accent1"/>
+          </a:effectRef>
+          <a:fontRef idx="minor">
+            <a:schemeClr val="tx1"/>
+          </a:fontRef>
+        </p:style>
+      </p:cxnSp>
+      <p:sp>
+        <p:nvSpPr>
+          <p:cNvPr id="14" name="TextBox 13">
+            <a:extLst>
+              <a:ext uri="{FF2B5EF4-FFF2-40B4-BE49-F238E27FC236}">
+                <a16:creationId xmlns:a16="http://schemas.microsoft.com/office/drawing/2014/main" id="{C7AFEF35-9B79-4ED4-B04B-71B398D8E4FE}"/>
+              </a:ext>
+            </a:extLst>
+          </p:cNvPr>
+          <p:cNvSpPr txBox="1"/>
+          <p:nvPr/>
+        </p:nvSpPr>
+        <p:spPr>
+          <a:xfrm>
+            <a:off x="1506487" y="1817480"/>
+            <a:ext cx="652743" cy="646331"/>
+          </a:xfrm>
+          <a:prstGeom prst="rect">
+            <a:avLst/>
+          </a:prstGeom>
+          <a:noFill/>
+        </p:spPr>
+        <p:txBody>
+          <a:bodyPr wrap="none" rtlCol="0">
+            <a:spAutoFit/>
+          </a:bodyPr>
+          <a:lstStyle/>
+          <a:p>
+            <a:r>
+              <a:rPr lang="fr-FR" dirty="0"/>
+              <a:t>1998</a:t>
+            </a:r>
+          </a:p>
+          <a:p>
+            <a:r>
+              <a:rPr lang="fr-FR" dirty="0"/>
+              <a:t>ES2</a:t>
+            </a:r>
+          </a:p>
+        </p:txBody>
+      </p:sp>
+      <p:cxnSp>
+        <p:nvCxnSpPr>
+          <p:cNvPr id="16" name="Straight Connector 15">
+            <a:extLst>
+              <a:ext uri="{FF2B5EF4-FFF2-40B4-BE49-F238E27FC236}">
+                <a16:creationId xmlns:a16="http://schemas.microsoft.com/office/drawing/2014/main" id="{9B738BD2-7898-42C9-838F-BAFB26D1CD4C}"/>
+              </a:ext>
+            </a:extLst>
+          </p:cNvPr>
+          <p:cNvCxnSpPr/>
+          <p:nvPr/>
+        </p:nvCxnSpPr>
+        <p:spPr>
+          <a:xfrm>
+            <a:off x="2344504" y="1148417"/>
+            <a:ext cx="0" cy="1033575"/>
+          </a:xfrm>
+          <a:prstGeom prst="line">
+            <a:avLst/>
+          </a:prstGeom>
+          <a:ln w="76200"/>
+        </p:spPr>
+        <p:style>
+          <a:lnRef idx="1">
+            <a:schemeClr val="accent1"/>
+          </a:lnRef>
+          <a:fillRef idx="0">
+            <a:schemeClr val="accent1"/>
+          </a:fillRef>
+          <a:effectRef idx="0">
+            <a:schemeClr val="accent1"/>
+          </a:effectRef>
+          <a:fontRef idx="minor">
+            <a:schemeClr val="tx1"/>
+          </a:fontRef>
+        </p:style>
+      </p:cxnSp>
+      <p:sp>
+        <p:nvSpPr>
+          <p:cNvPr id="17" name="TextBox 16">
+            <a:extLst>
+              <a:ext uri="{FF2B5EF4-FFF2-40B4-BE49-F238E27FC236}">
+                <a16:creationId xmlns:a16="http://schemas.microsoft.com/office/drawing/2014/main" id="{672001F7-0D22-4843-A0A0-09AB0100CBB8}"/>
+              </a:ext>
+            </a:extLst>
+          </p:cNvPr>
+          <p:cNvSpPr txBox="1"/>
+          <p:nvPr/>
+        </p:nvSpPr>
+        <p:spPr>
+          <a:xfrm>
+            <a:off x="2054150" y="2211533"/>
+            <a:ext cx="652743" cy="646331"/>
+          </a:xfrm>
+          <a:prstGeom prst="rect">
+            <a:avLst/>
+          </a:prstGeom>
+          <a:noFill/>
+        </p:spPr>
+        <p:txBody>
+          <a:bodyPr wrap="none" rtlCol="0">
+            <a:spAutoFit/>
+          </a:bodyPr>
+          <a:lstStyle/>
+          <a:p>
+            <a:r>
+              <a:rPr lang="fr-FR" dirty="0"/>
+              <a:t>1999</a:t>
+            </a:r>
+          </a:p>
+          <a:p>
+            <a:r>
+              <a:rPr lang="fr-FR" dirty="0"/>
+              <a:t>ES3</a:t>
+            </a:r>
+          </a:p>
+        </p:txBody>
+      </p:sp>
+      <p:cxnSp>
+        <p:nvCxnSpPr>
+          <p:cNvPr id="19" name="Straight Connector 18">
+            <a:extLst>
+              <a:ext uri="{FF2B5EF4-FFF2-40B4-BE49-F238E27FC236}">
+                <a16:creationId xmlns:a16="http://schemas.microsoft.com/office/drawing/2014/main" id="{75CB0F19-43F8-4F12-A559-49F2197EC7CA}"/>
+              </a:ext>
+            </a:extLst>
+          </p:cNvPr>
+          <p:cNvCxnSpPr/>
+          <p:nvPr/>
+        </p:nvCxnSpPr>
+        <p:spPr>
+          <a:xfrm>
+            <a:off x="5326055" y="1148417"/>
+            <a:ext cx="0" cy="706385"/>
+          </a:xfrm>
+          <a:prstGeom prst="line">
+            <a:avLst/>
+          </a:prstGeom>
+          <a:ln w="76200"/>
+        </p:spPr>
+        <p:style>
+          <a:lnRef idx="1">
+            <a:schemeClr val="accent1"/>
+          </a:lnRef>
+          <a:fillRef idx="0">
+            <a:schemeClr val="accent1"/>
+          </a:fillRef>
+          <a:effectRef idx="0">
+            <a:schemeClr val="accent1"/>
+          </a:effectRef>
+          <a:fontRef idx="minor">
+            <a:schemeClr val="tx1"/>
+          </a:fontRef>
+        </p:style>
+      </p:cxnSp>
+      <p:sp>
+        <p:nvSpPr>
+          <p:cNvPr id="20" name="TextBox 19">
+            <a:extLst>
+              <a:ext uri="{FF2B5EF4-FFF2-40B4-BE49-F238E27FC236}">
+                <a16:creationId xmlns:a16="http://schemas.microsoft.com/office/drawing/2014/main" id="{730A7AF7-41B5-47A7-84D8-F0119F250B80}"/>
+              </a:ext>
+            </a:extLst>
+          </p:cNvPr>
+          <p:cNvSpPr txBox="1"/>
+          <p:nvPr/>
+        </p:nvSpPr>
+        <p:spPr>
+          <a:xfrm>
+            <a:off x="5040034" y="1858826"/>
+            <a:ext cx="652743" cy="646331"/>
+          </a:xfrm>
+          <a:prstGeom prst="rect">
+            <a:avLst/>
+          </a:prstGeom>
+          <a:noFill/>
+        </p:spPr>
+        <p:txBody>
+          <a:bodyPr wrap="none" rtlCol="0">
+            <a:spAutoFit/>
+          </a:bodyPr>
+          <a:lstStyle/>
+          <a:p>
+            <a:r>
+              <a:rPr lang="fr-FR" dirty="0"/>
+              <a:t>2009</a:t>
+            </a:r>
+          </a:p>
+          <a:p>
+            <a:r>
+              <a:rPr lang="fr-FR" dirty="0"/>
+              <a:t>ES5</a:t>
+            </a:r>
+          </a:p>
+        </p:txBody>
+      </p:sp>
+      <p:cxnSp>
+        <p:nvCxnSpPr>
+          <p:cNvPr id="22" name="Straight Connector 21">
+            <a:extLst>
+              <a:ext uri="{FF2B5EF4-FFF2-40B4-BE49-F238E27FC236}">
+                <a16:creationId xmlns:a16="http://schemas.microsoft.com/office/drawing/2014/main" id="{1326BE70-DA27-4868-B4DC-CA0D1389DB86}"/>
+              </a:ext>
+            </a:extLst>
+          </p:cNvPr>
+          <p:cNvCxnSpPr/>
+          <p:nvPr/>
+        </p:nvCxnSpPr>
+        <p:spPr>
+          <a:xfrm>
+            <a:off x="7341202" y="1148417"/>
+            <a:ext cx="0" cy="706385"/>
+          </a:xfrm>
+          <a:prstGeom prst="line">
+            <a:avLst/>
+          </a:prstGeom>
+          <a:ln w="76200"/>
+        </p:spPr>
+        <p:style>
+          <a:lnRef idx="1">
+            <a:schemeClr val="accent1"/>
+          </a:lnRef>
+          <a:fillRef idx="0">
+            <a:schemeClr val="accent1"/>
+          </a:fillRef>
+          <a:effectRef idx="0">
+            <a:schemeClr val="accent1"/>
+          </a:effectRef>
+          <a:fontRef idx="minor">
+            <a:schemeClr val="tx1"/>
+          </a:fontRef>
+        </p:style>
+      </p:cxnSp>
+      <p:sp>
+        <p:nvSpPr>
+          <p:cNvPr id="23" name="TextBox 22">
+            <a:extLst>
+              <a:ext uri="{FF2B5EF4-FFF2-40B4-BE49-F238E27FC236}">
+                <a16:creationId xmlns:a16="http://schemas.microsoft.com/office/drawing/2014/main" id="{5693BABE-162F-4D66-9B84-1CA41F0EACD1}"/>
+              </a:ext>
+            </a:extLst>
+          </p:cNvPr>
+          <p:cNvSpPr txBox="1"/>
+          <p:nvPr/>
+        </p:nvSpPr>
+        <p:spPr>
+          <a:xfrm>
+            <a:off x="7014830" y="1863159"/>
+            <a:ext cx="868507" cy="923330"/>
+          </a:xfrm>
+          <a:prstGeom prst="rect">
+            <a:avLst/>
+          </a:prstGeom>
+          <a:noFill/>
+        </p:spPr>
+        <p:txBody>
+          <a:bodyPr wrap="none" rtlCol="0">
+            <a:spAutoFit/>
+          </a:bodyPr>
+          <a:lstStyle/>
+          <a:p>
+            <a:r>
+              <a:rPr lang="fr-FR" dirty="0"/>
+              <a:t>2015</a:t>
+            </a:r>
+          </a:p>
+          <a:p>
+            <a:r>
+              <a:rPr lang="fr-FR" dirty="0"/>
+              <a:t>ES6</a:t>
+            </a:r>
+          </a:p>
+          <a:p>
+            <a:r>
+              <a:rPr lang="fr-FR" dirty="0"/>
+              <a:t>ES2015</a:t>
+            </a:r>
+          </a:p>
+        </p:txBody>
+      </p:sp>
+      <p:sp>
+        <p:nvSpPr>
+          <p:cNvPr id="24" name="TextBox 23">
+            <a:extLst>
+              <a:ext uri="{FF2B5EF4-FFF2-40B4-BE49-F238E27FC236}">
+                <a16:creationId xmlns:a16="http://schemas.microsoft.com/office/drawing/2014/main" id="{09072EF0-55FB-4AFF-96B4-652CE329CE26}"/>
+              </a:ext>
+            </a:extLst>
+          </p:cNvPr>
+          <p:cNvSpPr txBox="1"/>
+          <p:nvPr/>
+        </p:nvSpPr>
+        <p:spPr>
+          <a:xfrm>
+            <a:off x="7098518" y="611045"/>
+            <a:ext cx="4541180" cy="369332"/>
+          </a:xfrm>
+          <a:prstGeom prst="rect">
+            <a:avLst/>
+          </a:prstGeom>
+          <a:noFill/>
+        </p:spPr>
+        <p:txBody>
+          <a:bodyPr wrap="none" rtlCol="0">
+            <a:spAutoFit/>
+          </a:bodyPr>
+          <a:lstStyle/>
+          <a:p>
+            <a:r>
+              <a:rPr lang="fr-FR" dirty="0"/>
+              <a:t>TC39 ouvre en open source la normalisation JS</a:t>
+            </a:r>
+          </a:p>
+        </p:txBody>
+      </p:sp>
+      <p:cxnSp>
+        <p:nvCxnSpPr>
+          <p:cNvPr id="26" name="Straight Arrow Connector 25">
+            <a:extLst>
+              <a:ext uri="{FF2B5EF4-FFF2-40B4-BE49-F238E27FC236}">
+                <a16:creationId xmlns:a16="http://schemas.microsoft.com/office/drawing/2014/main" id="{82C049F6-2AB7-471C-ACEF-0D0B9923899B}"/>
+              </a:ext>
+            </a:extLst>
+          </p:cNvPr>
+          <p:cNvCxnSpPr/>
+          <p:nvPr/>
+        </p:nvCxnSpPr>
+        <p:spPr>
+          <a:xfrm>
+            <a:off x="7848239" y="1937141"/>
+            <a:ext cx="3882950" cy="0"/>
+          </a:xfrm>
+          <a:prstGeom prst="straightConnector1">
+            <a:avLst/>
+          </a:prstGeom>
+          <a:ln w="76200">
+            <a:prstDash val="sysDash"/>
+            <a:tailEnd type="triangle"/>
+          </a:ln>
+        </p:spPr>
+        <p:style>
+          <a:lnRef idx="1">
+            <a:schemeClr val="accent1"/>
+          </a:lnRef>
+          <a:fillRef idx="0">
+            <a:schemeClr val="accent1"/>
+          </a:fillRef>
+          <a:effectRef idx="0">
+            <a:schemeClr val="accent1"/>
+          </a:effectRef>
+          <a:fontRef idx="minor">
+            <a:schemeClr val="tx1"/>
+          </a:fontRef>
+        </p:style>
+      </p:cxnSp>
+      <p:sp>
+        <p:nvSpPr>
+          <p:cNvPr id="27" name="TextBox 26">
+            <a:extLst>
+              <a:ext uri="{FF2B5EF4-FFF2-40B4-BE49-F238E27FC236}">
+                <a16:creationId xmlns:a16="http://schemas.microsoft.com/office/drawing/2014/main" id="{B5995920-3283-4F95-880C-88AC7D763FB4}"/>
+              </a:ext>
+            </a:extLst>
+          </p:cNvPr>
+          <p:cNvSpPr txBox="1"/>
+          <p:nvPr/>
+        </p:nvSpPr>
+        <p:spPr>
+          <a:xfrm>
+            <a:off x="10873126" y="2324824"/>
+            <a:ext cx="868507" cy="646331"/>
+          </a:xfrm>
+          <a:prstGeom prst="rect">
+            <a:avLst/>
+          </a:prstGeom>
+          <a:noFill/>
+        </p:spPr>
+        <p:txBody>
+          <a:bodyPr wrap="none" rtlCol="0">
+            <a:spAutoFit/>
+          </a:bodyPr>
+          <a:lstStyle/>
+          <a:p>
+            <a:r>
+              <a:rPr lang="fr-FR" dirty="0"/>
+              <a:t>ES2022</a:t>
+            </a:r>
+          </a:p>
+          <a:p>
+            <a:r>
+              <a:rPr lang="fr-FR" dirty="0" err="1"/>
+              <a:t>ESNext</a:t>
+            </a:r>
+            <a:endParaRPr lang="fr-FR" dirty="0"/>
+          </a:p>
+        </p:txBody>
+      </p:sp>
+      <p:sp>
+        <p:nvSpPr>
+          <p:cNvPr id="28" name="TextBox 27">
+            <a:extLst>
+              <a:ext uri="{FF2B5EF4-FFF2-40B4-BE49-F238E27FC236}">
+                <a16:creationId xmlns:a16="http://schemas.microsoft.com/office/drawing/2014/main" id="{A4A810FE-E8AB-42CB-80EA-1D2727A9EDF2}"/>
+              </a:ext>
+            </a:extLst>
+          </p:cNvPr>
+          <p:cNvSpPr txBox="1"/>
+          <p:nvPr/>
+        </p:nvSpPr>
+        <p:spPr>
+          <a:xfrm>
+            <a:off x="7098518" y="3375913"/>
+            <a:ext cx="1033745" cy="1477328"/>
+          </a:xfrm>
+          <a:prstGeom prst="rect">
+            <a:avLst/>
+          </a:prstGeom>
+          <a:noFill/>
+        </p:spPr>
+        <p:txBody>
+          <a:bodyPr wrap="none" rtlCol="0">
+            <a:spAutoFit/>
+          </a:bodyPr>
+          <a:lstStyle/>
+          <a:p>
+            <a:r>
+              <a:rPr lang="fr-FR" dirty="0" err="1"/>
+              <a:t>const</a:t>
+            </a:r>
+            <a:endParaRPr lang="fr-FR" dirty="0"/>
+          </a:p>
+          <a:p>
+            <a:r>
+              <a:rPr lang="fr-FR" dirty="0"/>
+              <a:t>let</a:t>
+            </a:r>
+          </a:p>
+          <a:p>
+            <a:r>
+              <a:rPr lang="fr-FR" dirty="0"/>
+              <a:t>() =&gt; {}</a:t>
+            </a:r>
+          </a:p>
+          <a:p>
+            <a:r>
+              <a:rPr lang="fr-FR" dirty="0"/>
+              <a:t>class</a:t>
+            </a:r>
+          </a:p>
+          <a:p>
+            <a:r>
+              <a:rPr lang="fr-FR" dirty="0"/>
+              <a:t>Promises</a:t>
+            </a:r>
+          </a:p>
+        </p:txBody>
+      </p:sp>
+      <p:cxnSp>
+        <p:nvCxnSpPr>
+          <p:cNvPr id="30" name="Straight Connector 29">
+            <a:extLst>
+              <a:ext uri="{FF2B5EF4-FFF2-40B4-BE49-F238E27FC236}">
+                <a16:creationId xmlns:a16="http://schemas.microsoft.com/office/drawing/2014/main" id="{DC8E4004-E93F-4913-B77D-278DEE17438B}"/>
+              </a:ext>
+            </a:extLst>
+          </p:cNvPr>
+          <p:cNvCxnSpPr/>
+          <p:nvPr/>
+        </p:nvCxnSpPr>
+        <p:spPr>
+          <a:xfrm>
+            <a:off x="6041107" y="554707"/>
+            <a:ext cx="0" cy="4428990"/>
+          </a:xfrm>
+          <a:prstGeom prst="line">
+            <a:avLst/>
+          </a:prstGeom>
+          <a:ln w="76200"/>
+        </p:spPr>
+        <p:style>
+          <a:lnRef idx="1">
+            <a:schemeClr val="accent1"/>
+          </a:lnRef>
+          <a:fillRef idx="0">
+            <a:schemeClr val="accent1"/>
+          </a:fillRef>
+          <a:effectRef idx="0">
+            <a:schemeClr val="accent1"/>
+          </a:effectRef>
+          <a:fontRef idx="minor">
+            <a:schemeClr val="tx1"/>
+          </a:fontRef>
+        </p:style>
+      </p:cxnSp>
+      <p:sp>
+        <p:nvSpPr>
+          <p:cNvPr id="31" name="TextBox 30">
+            <a:extLst>
+              <a:ext uri="{FF2B5EF4-FFF2-40B4-BE49-F238E27FC236}">
+                <a16:creationId xmlns:a16="http://schemas.microsoft.com/office/drawing/2014/main" id="{BD3B2D71-D9EF-4786-AC40-5677ECCB56FF}"/>
+              </a:ext>
+            </a:extLst>
+          </p:cNvPr>
+          <p:cNvSpPr txBox="1"/>
+          <p:nvPr/>
+        </p:nvSpPr>
+        <p:spPr>
+          <a:xfrm>
+            <a:off x="5692777" y="4942218"/>
+            <a:ext cx="1146211" cy="646331"/>
+          </a:xfrm>
+          <a:prstGeom prst="rect">
+            <a:avLst/>
+          </a:prstGeom>
+          <a:noFill/>
+        </p:spPr>
+        <p:txBody>
+          <a:bodyPr wrap="none" rtlCol="0">
+            <a:spAutoFit/>
+          </a:bodyPr>
+          <a:lstStyle/>
+          <a:p>
+            <a:r>
+              <a:rPr lang="fr-FR" dirty="0"/>
+              <a:t>2012</a:t>
+            </a:r>
+          </a:p>
+          <a:p>
+            <a:r>
+              <a:rPr lang="fr-FR" dirty="0" err="1"/>
+              <a:t>Typescript</a:t>
+            </a:r>
+            <a:endParaRPr lang="fr-FR" dirty="0"/>
+          </a:p>
+        </p:txBody>
+      </p:sp>
+      <p:cxnSp>
+        <p:nvCxnSpPr>
+          <p:cNvPr id="3" name="Straight Connector 2">
+            <a:extLst>
+              <a:ext uri="{FF2B5EF4-FFF2-40B4-BE49-F238E27FC236}">
+                <a16:creationId xmlns:a16="http://schemas.microsoft.com/office/drawing/2014/main" id="{0581239B-8696-4BC1-B816-E608F46CDC79}"/>
+              </a:ext>
+            </a:extLst>
+          </p:cNvPr>
+          <p:cNvCxnSpPr>
+            <a:cxnSpLocks/>
+          </p:cNvCxnSpPr>
+          <p:nvPr/>
+        </p:nvCxnSpPr>
+        <p:spPr>
+          <a:xfrm>
+            <a:off x="5478553" y="708241"/>
+            <a:ext cx="0" cy="2312313"/>
+          </a:xfrm>
+          <a:prstGeom prst="line">
+            <a:avLst/>
+          </a:prstGeom>
+          <a:ln w="76200"/>
+        </p:spPr>
+        <p:style>
+          <a:lnRef idx="1">
+            <a:schemeClr val="accent1"/>
+          </a:lnRef>
+          <a:fillRef idx="0">
+            <a:schemeClr val="accent1"/>
+          </a:fillRef>
+          <a:effectRef idx="0">
+            <a:schemeClr val="accent1"/>
+          </a:effectRef>
+          <a:fontRef idx="minor">
+            <a:schemeClr val="tx1"/>
+          </a:fontRef>
+        </p:style>
+      </p:cxnSp>
+      <p:sp>
+        <p:nvSpPr>
+          <p:cNvPr id="6" name="TextBox 5">
+            <a:extLst>
+              <a:ext uri="{FF2B5EF4-FFF2-40B4-BE49-F238E27FC236}">
+                <a16:creationId xmlns:a16="http://schemas.microsoft.com/office/drawing/2014/main" id="{C08D3918-B5E5-4EBB-8CE6-3180BE02E660}"/>
+              </a:ext>
+            </a:extLst>
+          </p:cNvPr>
+          <p:cNvSpPr txBox="1"/>
+          <p:nvPr/>
+        </p:nvSpPr>
+        <p:spPr>
+          <a:xfrm>
+            <a:off x="5093858" y="3046535"/>
+            <a:ext cx="837089" cy="369332"/>
+          </a:xfrm>
+          <a:prstGeom prst="rect">
+            <a:avLst/>
+          </a:prstGeom>
+          <a:noFill/>
+        </p:spPr>
+        <p:txBody>
+          <a:bodyPr wrap="none" rtlCol="0">
+            <a:spAutoFit/>
+          </a:bodyPr>
+          <a:lstStyle/>
+          <a:p>
+            <a:r>
+              <a:rPr lang="fr-FR" dirty="0" err="1"/>
+              <a:t>Nodejs</a:t>
+            </a:r>
+            <a:endParaRPr lang="fr-FR" dirty="0"/>
+          </a:p>
+        </p:txBody>
+      </p:sp>
+      <p:cxnSp>
+        <p:nvCxnSpPr>
+          <p:cNvPr id="4" name="Straight Connector 3">
+            <a:extLst>
+              <a:ext uri="{FF2B5EF4-FFF2-40B4-BE49-F238E27FC236}">
+                <a16:creationId xmlns:a16="http://schemas.microsoft.com/office/drawing/2014/main" id="{2429CA24-8891-497C-BDBE-791EEBF907C1}"/>
+              </a:ext>
+            </a:extLst>
+          </p:cNvPr>
+          <p:cNvCxnSpPr/>
+          <p:nvPr/>
+        </p:nvCxnSpPr>
+        <p:spPr>
+          <a:xfrm>
+            <a:off x="4264311" y="754055"/>
+            <a:ext cx="0" cy="3085558"/>
+          </a:xfrm>
+          <a:prstGeom prst="line">
+            <a:avLst/>
+          </a:prstGeom>
+          <a:ln w="76200"/>
+        </p:spPr>
+        <p:style>
+          <a:lnRef idx="1">
+            <a:schemeClr val="accent1"/>
+          </a:lnRef>
+          <a:fillRef idx="0">
+            <a:schemeClr val="accent1"/>
+          </a:fillRef>
+          <a:effectRef idx="0">
+            <a:schemeClr val="accent1"/>
+          </a:effectRef>
+          <a:fontRef idx="minor">
+            <a:schemeClr val="tx1"/>
+          </a:fontRef>
+        </p:style>
+      </p:cxnSp>
+      <p:sp>
+        <p:nvSpPr>
+          <p:cNvPr id="9" name="TextBox 8">
+            <a:extLst>
+              <a:ext uri="{FF2B5EF4-FFF2-40B4-BE49-F238E27FC236}">
+                <a16:creationId xmlns:a16="http://schemas.microsoft.com/office/drawing/2014/main" id="{20803E18-B03A-453B-86B3-575AF25A6F42}"/>
+              </a:ext>
+            </a:extLst>
+          </p:cNvPr>
+          <p:cNvSpPr txBox="1"/>
+          <p:nvPr/>
+        </p:nvSpPr>
+        <p:spPr>
+          <a:xfrm>
+            <a:off x="3982624" y="4060629"/>
+            <a:ext cx="943976" cy="646331"/>
+          </a:xfrm>
+          <a:prstGeom prst="rect">
+            <a:avLst/>
+          </a:prstGeom>
+          <a:noFill/>
+        </p:spPr>
+        <p:txBody>
+          <a:bodyPr wrap="none" rtlCol="0">
+            <a:spAutoFit/>
+          </a:bodyPr>
+          <a:lstStyle/>
+          <a:p>
+            <a:r>
+              <a:rPr lang="fr-FR" dirty="0"/>
+              <a:t>2007</a:t>
+            </a:r>
+          </a:p>
+          <a:p>
+            <a:r>
+              <a:rPr lang="fr-FR" dirty="0"/>
+              <a:t>Promise</a:t>
+            </a:r>
+          </a:p>
+        </p:txBody>
+      </p:sp>
+      <p:cxnSp>
+        <p:nvCxnSpPr>
+          <p:cNvPr id="21" name="Straight Connector 20">
+            <a:extLst>
+              <a:ext uri="{FF2B5EF4-FFF2-40B4-BE49-F238E27FC236}">
+                <a16:creationId xmlns:a16="http://schemas.microsoft.com/office/drawing/2014/main" id="{C4232388-21E4-4CC4-9C21-AF71D3EA0FFA}"/>
+              </a:ext>
+            </a:extLst>
+          </p:cNvPr>
+          <p:cNvCxnSpPr/>
+          <p:nvPr/>
+        </p:nvCxnSpPr>
+        <p:spPr>
+          <a:xfrm>
+            <a:off x="9013991" y="1035742"/>
+            <a:ext cx="0" cy="1239424"/>
+          </a:xfrm>
+          <a:prstGeom prst="line">
+            <a:avLst/>
+          </a:prstGeom>
+          <a:ln w="76200"/>
+        </p:spPr>
+        <p:style>
+          <a:lnRef idx="1">
+            <a:schemeClr val="accent1"/>
+          </a:lnRef>
+          <a:fillRef idx="0">
+            <a:schemeClr val="accent1"/>
+          </a:fillRef>
+          <a:effectRef idx="0">
+            <a:schemeClr val="accent1"/>
+          </a:effectRef>
+          <a:fontRef idx="minor">
+            <a:schemeClr val="tx1"/>
+          </a:fontRef>
+        </p:style>
+      </p:cxnSp>
+      <p:sp>
+        <p:nvSpPr>
+          <p:cNvPr id="25" name="TextBox 24">
+            <a:extLst>
+              <a:ext uri="{FF2B5EF4-FFF2-40B4-BE49-F238E27FC236}">
+                <a16:creationId xmlns:a16="http://schemas.microsoft.com/office/drawing/2014/main" id="{945ACE3E-912C-40ED-9AAE-A8254E18292D}"/>
+              </a:ext>
+            </a:extLst>
+          </p:cNvPr>
+          <p:cNvSpPr txBox="1"/>
+          <p:nvPr/>
+        </p:nvSpPr>
+        <p:spPr>
+          <a:xfrm>
+            <a:off x="8801642" y="2505157"/>
+            <a:ext cx="1269578" cy="923330"/>
+          </a:xfrm>
+          <a:prstGeom prst="rect">
+            <a:avLst/>
+          </a:prstGeom>
+          <a:noFill/>
+        </p:spPr>
+        <p:txBody>
+          <a:bodyPr wrap="none" rtlCol="0">
+            <a:spAutoFit/>
+          </a:bodyPr>
+          <a:lstStyle/>
+          <a:p>
+            <a:r>
+              <a:rPr lang="fr-FR" dirty="0"/>
+              <a:t>2017</a:t>
+            </a:r>
+          </a:p>
+          <a:p>
+            <a:r>
+              <a:rPr lang="fr-FR" dirty="0"/>
+              <a:t>ES2017</a:t>
+            </a:r>
+          </a:p>
+          <a:p>
+            <a:r>
+              <a:rPr lang="fr-FR" dirty="0" err="1"/>
+              <a:t>async</a:t>
+            </a:r>
+            <a:r>
+              <a:rPr lang="fr-FR" dirty="0"/>
+              <a:t> </a:t>
+            </a:r>
+            <a:r>
+              <a:rPr lang="fr-FR" dirty="0" err="1"/>
+              <a:t>await</a:t>
+            </a:r>
+            <a:endParaRPr lang="fr-FR" dirty="0"/>
+          </a:p>
+        </p:txBody>
+      </p:sp>
+      <p:cxnSp>
+        <p:nvCxnSpPr>
+          <p:cNvPr id="32" name="Straight Connector 31">
+            <a:extLst>
+              <a:ext uri="{FF2B5EF4-FFF2-40B4-BE49-F238E27FC236}">
+                <a16:creationId xmlns:a16="http://schemas.microsoft.com/office/drawing/2014/main" id="{7215706A-0490-492C-B970-9800ABB8532F}"/>
+              </a:ext>
+            </a:extLst>
+          </p:cNvPr>
+          <p:cNvCxnSpPr>
+            <a:cxnSpLocks/>
+          </p:cNvCxnSpPr>
+          <p:nvPr/>
+        </p:nvCxnSpPr>
+        <p:spPr>
+          <a:xfrm>
+            <a:off x="11281212" y="1085400"/>
+            <a:ext cx="0" cy="2330467"/>
+          </a:xfrm>
+          <a:prstGeom prst="line">
+            <a:avLst/>
+          </a:prstGeom>
+          <a:ln w="76200"/>
+        </p:spPr>
+        <p:style>
+          <a:lnRef idx="1">
+            <a:schemeClr val="accent1"/>
+          </a:lnRef>
+          <a:fillRef idx="0">
+            <a:schemeClr val="accent1"/>
+          </a:fillRef>
+          <a:effectRef idx="0">
+            <a:schemeClr val="accent1"/>
+          </a:effectRef>
+          <a:fontRef idx="minor">
+            <a:schemeClr val="tx1"/>
+          </a:fontRef>
+        </p:style>
+      </p:cxnSp>
+      <p:sp>
+        <p:nvSpPr>
+          <p:cNvPr id="33" name="TextBox 32">
+            <a:extLst>
+              <a:ext uri="{FF2B5EF4-FFF2-40B4-BE49-F238E27FC236}">
+                <a16:creationId xmlns:a16="http://schemas.microsoft.com/office/drawing/2014/main" id="{E98D815C-262B-405D-ABAD-2F9009EEB431}"/>
+              </a:ext>
+            </a:extLst>
+          </p:cNvPr>
+          <p:cNvSpPr txBox="1"/>
+          <p:nvPr/>
+        </p:nvSpPr>
+        <p:spPr>
+          <a:xfrm>
+            <a:off x="10873126" y="3640265"/>
+            <a:ext cx="1318631" cy="369332"/>
+          </a:xfrm>
+          <a:prstGeom prst="rect">
+            <a:avLst/>
+          </a:prstGeom>
+          <a:noFill/>
+        </p:spPr>
+        <p:txBody>
+          <a:bodyPr wrap="none" rtlCol="0">
+            <a:spAutoFit/>
+          </a:bodyPr>
+          <a:lstStyle/>
+          <a:p>
+            <a:r>
+              <a:rPr lang="fr-FR" dirty="0"/>
+              <a:t>global </a:t>
+            </a:r>
+            <a:r>
+              <a:rPr lang="fr-FR" dirty="0" err="1"/>
+              <a:t>await</a:t>
+            </a:r>
+            <a:endParaRPr lang="fr-FR" dirty="0"/>
+          </a:p>
+        </p:txBody>
+      </p:sp>
+    </p:spTree>
+    <p:extLst>
+      <p:ext uri="{BB962C8B-B14F-4D97-AF65-F5344CB8AC3E}">
+        <p14:creationId xmlns:p14="http://schemas.microsoft.com/office/powerpoint/2010/main" val="3040542391"/>
+      </p:ext>
+    </p:extLst>
+  </p:cSld>
+  <p:clrMapOvr>
+    <a:masterClrMapping/>
+  </p:clrMapOvr>
+</p:sld>
+</file>
+
+<file path=ppt/slides/slide11.xml><?xml version="1.0" encoding="utf-8"?>
+<p:sld xmlns:a="http://schemas.openxmlformats.org/drawingml/2006/main" xmlns:r="http://schemas.openxmlformats.org/officeDocument/2006/relationships" xmlns:p="http://schemas.openxmlformats.org/presentationml/2006/main">
+  <p:cSld>
+    <p:spTree>
+      <p:nvGrpSpPr>
+        <p:cNvPr id="1" name=""/>
+        <p:cNvGrpSpPr/>
+        <p:nvPr/>
+      </p:nvGrpSpPr>
+      <p:grpSpPr>
+        <a:xfrm>
+          <a:off x="0" y="0"/>
+          <a:ext cx="0" cy="0"/>
+          <a:chOff x="0" y="0"/>
+          <a:chExt cx="0" cy="0"/>
+        </a:xfrm>
+      </p:grpSpPr>
+      <p:cxnSp>
+        <p:nvCxnSpPr>
+          <p:cNvPr id="5" name="Straight Arrow Connector 4">
+            <a:extLst>
+              <a:ext uri="{FF2B5EF4-FFF2-40B4-BE49-F238E27FC236}">
+                <a16:creationId xmlns:a16="http://schemas.microsoft.com/office/drawing/2014/main" id="{D26F83CF-38C9-4273-9AF0-5C5946CA89A2}"/>
+              </a:ext>
+            </a:extLst>
+          </p:cNvPr>
+          <p:cNvCxnSpPr/>
+          <p:nvPr/>
+        </p:nvCxnSpPr>
+        <p:spPr>
+          <a:xfrm>
+            <a:off x="403029" y="819060"/>
+            <a:ext cx="11596846" cy="0"/>
+          </a:xfrm>
+          <a:prstGeom prst="straightConnector1">
+            <a:avLst/>
+          </a:prstGeom>
+          <a:ln w="76200">
+            <a:tailEnd type="triangle"/>
+          </a:ln>
+        </p:spPr>
+        <p:style>
+          <a:lnRef idx="1">
+            <a:schemeClr val="accent1"/>
+          </a:lnRef>
+          <a:fillRef idx="0">
+            <a:schemeClr val="accent1"/>
+          </a:fillRef>
+          <a:effectRef idx="0">
+            <a:schemeClr val="accent1"/>
+          </a:effectRef>
+          <a:fontRef idx="minor">
+            <a:schemeClr val="tx1"/>
+          </a:fontRef>
+        </p:style>
+      </p:cxnSp>
+      <p:cxnSp>
+        <p:nvCxnSpPr>
+          <p:cNvPr id="7" name="Straight Connector 6">
+            <a:extLst>
+              <a:ext uri="{FF2B5EF4-FFF2-40B4-BE49-F238E27FC236}">
+                <a16:creationId xmlns:a16="http://schemas.microsoft.com/office/drawing/2014/main" id="{4753F465-82D9-4E6D-A824-E73591A9C3DF}"/>
+              </a:ext>
+            </a:extLst>
+          </p:cNvPr>
+          <p:cNvCxnSpPr>
+            <a:cxnSpLocks/>
+          </p:cNvCxnSpPr>
+          <p:nvPr/>
+        </p:nvCxnSpPr>
+        <p:spPr>
+          <a:xfrm>
+            <a:off x="611045" y="407364"/>
+            <a:ext cx="0" cy="931734"/>
+          </a:xfrm>
+          <a:prstGeom prst="line">
+            <a:avLst/>
+          </a:prstGeom>
+          <a:ln w="76200"/>
+        </p:spPr>
+        <p:style>
+          <a:lnRef idx="1">
+            <a:schemeClr val="accent1"/>
+          </a:lnRef>
+          <a:fillRef idx="0">
+            <a:schemeClr val="accent1"/>
+          </a:fillRef>
+          <a:effectRef idx="0">
+            <a:schemeClr val="accent1"/>
+          </a:effectRef>
+          <a:fontRef idx="minor">
+            <a:schemeClr val="tx1"/>
+          </a:fontRef>
+        </p:style>
+      </p:cxnSp>
+      <p:sp>
+        <p:nvSpPr>
+          <p:cNvPr id="10" name="Rectangle 9">
+            <a:extLst>
+              <a:ext uri="{FF2B5EF4-FFF2-40B4-BE49-F238E27FC236}">
+                <a16:creationId xmlns:a16="http://schemas.microsoft.com/office/drawing/2014/main" id="{42970D87-C431-47B1-9438-3652BBAC9262}"/>
+              </a:ext>
+            </a:extLst>
+          </p:cNvPr>
+          <p:cNvSpPr/>
+          <p:nvPr/>
+        </p:nvSpPr>
+        <p:spPr>
+          <a:xfrm>
+            <a:off x="650046" y="554708"/>
+            <a:ext cx="81631" cy="519995"/>
+          </a:xfrm>
+          <a:prstGeom prst="rect">
+            <a:avLst/>
+          </a:prstGeom>
+        </p:spPr>
+        <p:style>
+          <a:lnRef idx="2">
+            <a:schemeClr val="accent6">
+              <a:shade val="50000"/>
+            </a:schemeClr>
+          </a:lnRef>
+          <a:fillRef idx="1">
+            <a:schemeClr val="accent6"/>
+          </a:fillRef>
+          <a:effectRef idx="0">
+            <a:schemeClr val="accent6"/>
+          </a:effectRef>
+          <a:fontRef idx="minor">
+            <a:schemeClr val="lt1"/>
+          </a:fontRef>
+        </p:style>
+        <p:txBody>
+          <a:bodyPr rtlCol="0" anchor="ctr"/>
+          <a:lstStyle/>
+          <a:p>
+            <a:pPr algn="ctr"/>
+            <a:endParaRPr lang="fr-FR"/>
+          </a:p>
+        </p:txBody>
+      </p:sp>
+      <p:cxnSp>
+        <p:nvCxnSpPr>
+          <p:cNvPr id="11" name="Straight Connector 10">
+            <a:extLst>
+              <a:ext uri="{FF2B5EF4-FFF2-40B4-BE49-F238E27FC236}">
+                <a16:creationId xmlns:a16="http://schemas.microsoft.com/office/drawing/2014/main" id="{7260C8C7-55A5-4ADF-AD79-802744B95635}"/>
+              </a:ext>
+            </a:extLst>
+          </p:cNvPr>
+          <p:cNvCxnSpPr>
+            <a:cxnSpLocks/>
+          </p:cNvCxnSpPr>
+          <p:nvPr/>
+        </p:nvCxnSpPr>
+        <p:spPr>
+          <a:xfrm>
+            <a:off x="4317037" y="407364"/>
+            <a:ext cx="0" cy="931734"/>
+          </a:xfrm>
+          <a:prstGeom prst="line">
+            <a:avLst/>
+          </a:prstGeom>
+          <a:ln w="76200"/>
+        </p:spPr>
+        <p:style>
+          <a:lnRef idx="1">
+            <a:schemeClr val="accent1"/>
+          </a:lnRef>
+          <a:fillRef idx="0">
+            <a:schemeClr val="accent1"/>
+          </a:fillRef>
+          <a:effectRef idx="0">
+            <a:schemeClr val="accent1"/>
+          </a:effectRef>
+          <a:fontRef idx="minor">
+            <a:schemeClr val="tx1"/>
+          </a:fontRef>
+        </p:style>
+      </p:cxnSp>
+      <p:sp>
+        <p:nvSpPr>
+          <p:cNvPr id="12" name="TextBox 11">
+            <a:extLst>
+              <a:ext uri="{FF2B5EF4-FFF2-40B4-BE49-F238E27FC236}">
+                <a16:creationId xmlns:a16="http://schemas.microsoft.com/office/drawing/2014/main" id="{DD22AD06-E102-4844-A5B2-B1768C71B13C}"/>
+              </a:ext>
+            </a:extLst>
+          </p:cNvPr>
+          <p:cNvSpPr txBox="1"/>
+          <p:nvPr/>
+        </p:nvSpPr>
+        <p:spPr>
+          <a:xfrm>
+            <a:off x="403029" y="1"/>
+            <a:ext cx="590226" cy="369332"/>
+          </a:xfrm>
+          <a:prstGeom prst="rect">
+            <a:avLst/>
+          </a:prstGeom>
+          <a:noFill/>
+        </p:spPr>
+        <p:txBody>
+          <a:bodyPr wrap="none" rtlCol="0">
+            <a:spAutoFit/>
+          </a:bodyPr>
+          <a:lstStyle/>
+          <a:p>
+            <a:r>
+              <a:rPr lang="fr-FR" dirty="0"/>
+              <a:t>click</a:t>
+            </a:r>
+          </a:p>
+        </p:txBody>
+      </p:sp>
+      <p:sp>
+        <p:nvSpPr>
+          <p:cNvPr id="13" name="TextBox 12">
+            <a:extLst>
+              <a:ext uri="{FF2B5EF4-FFF2-40B4-BE49-F238E27FC236}">
+                <a16:creationId xmlns:a16="http://schemas.microsoft.com/office/drawing/2014/main" id="{45EE493C-FA21-435B-A8D7-DB71DE4C601A}"/>
+              </a:ext>
+            </a:extLst>
+          </p:cNvPr>
+          <p:cNvSpPr txBox="1"/>
+          <p:nvPr/>
+        </p:nvSpPr>
+        <p:spPr>
+          <a:xfrm>
+            <a:off x="4021627" y="16850"/>
+            <a:ext cx="679994" cy="369332"/>
+          </a:xfrm>
+          <a:prstGeom prst="rect">
+            <a:avLst/>
+          </a:prstGeom>
+          <a:noFill/>
+        </p:spPr>
+        <p:txBody>
+          <a:bodyPr wrap="none" rtlCol="0">
+            <a:spAutoFit/>
+          </a:bodyPr>
+          <a:lstStyle/>
+          <a:p>
+            <a:r>
+              <a:rPr lang="fr-FR" dirty="0"/>
+              <a:t>input</a:t>
+            </a:r>
+          </a:p>
+        </p:txBody>
+      </p:sp>
+      <p:sp>
+        <p:nvSpPr>
+          <p:cNvPr id="14" name="Rectangle 13">
+            <a:extLst>
+              <a:ext uri="{FF2B5EF4-FFF2-40B4-BE49-F238E27FC236}">
+                <a16:creationId xmlns:a16="http://schemas.microsoft.com/office/drawing/2014/main" id="{1A918A0E-34D0-4F9F-BB2E-FFB0B20CE473}"/>
+              </a:ext>
+            </a:extLst>
+          </p:cNvPr>
+          <p:cNvSpPr/>
+          <p:nvPr/>
+        </p:nvSpPr>
+        <p:spPr>
+          <a:xfrm>
+            <a:off x="4361624" y="554708"/>
+            <a:ext cx="98418" cy="519995"/>
+          </a:xfrm>
+          <a:prstGeom prst="rect">
+            <a:avLst/>
+          </a:prstGeom>
+        </p:spPr>
+        <p:style>
+          <a:lnRef idx="2">
+            <a:schemeClr val="accent6">
+              <a:shade val="50000"/>
+            </a:schemeClr>
+          </a:lnRef>
+          <a:fillRef idx="1">
+            <a:schemeClr val="accent6"/>
+          </a:fillRef>
+          <a:effectRef idx="0">
+            <a:schemeClr val="accent6"/>
+          </a:effectRef>
+          <a:fontRef idx="minor">
+            <a:schemeClr val="lt1"/>
+          </a:fontRef>
+        </p:style>
+        <p:txBody>
+          <a:bodyPr rtlCol="0" anchor="ctr"/>
+          <a:lstStyle/>
+          <a:p>
+            <a:pPr algn="ctr"/>
+            <a:endParaRPr lang="fr-FR"/>
+          </a:p>
+        </p:txBody>
+      </p:sp>
+      <p:sp>
+        <p:nvSpPr>
+          <p:cNvPr id="15" name="Rectangle 14">
+            <a:extLst>
+              <a:ext uri="{FF2B5EF4-FFF2-40B4-BE49-F238E27FC236}">
+                <a16:creationId xmlns:a16="http://schemas.microsoft.com/office/drawing/2014/main" id="{E52C087E-1C6C-4B8F-89B8-A29202456954}"/>
+              </a:ext>
+            </a:extLst>
+          </p:cNvPr>
+          <p:cNvSpPr/>
+          <p:nvPr/>
+        </p:nvSpPr>
+        <p:spPr>
+          <a:xfrm>
+            <a:off x="4918691" y="4905691"/>
+            <a:ext cx="3068224" cy="1391099"/>
+          </a:xfrm>
+          <a:prstGeom prst="rect">
+            <a:avLst/>
+          </a:prstGeom>
+        </p:spPr>
+        <p:style>
+          <a:lnRef idx="2">
+            <a:schemeClr val="accent1"/>
+          </a:lnRef>
+          <a:fillRef idx="1">
+            <a:schemeClr val="lt1"/>
+          </a:fillRef>
+          <a:effectRef idx="0">
+            <a:schemeClr val="accent1"/>
+          </a:effectRef>
+          <a:fontRef idx="minor">
+            <a:schemeClr val="dk1"/>
+          </a:fontRef>
+        </p:style>
+        <p:txBody>
+          <a:bodyPr rtlCol="0" anchor="ctr"/>
+          <a:lstStyle/>
+          <a:p>
+            <a:pPr algn="ctr"/>
+            <a:endParaRPr lang="fr-FR"/>
+          </a:p>
+        </p:txBody>
+      </p:sp>
+      <p:sp>
+        <p:nvSpPr>
+          <p:cNvPr id="16" name="Rectangle 15">
+            <a:extLst>
+              <a:ext uri="{FF2B5EF4-FFF2-40B4-BE49-F238E27FC236}">
+                <a16:creationId xmlns:a16="http://schemas.microsoft.com/office/drawing/2014/main" id="{5907D98C-C489-481A-A0B8-4E800B58674A}"/>
+              </a:ext>
+            </a:extLst>
+          </p:cNvPr>
+          <p:cNvSpPr/>
+          <p:nvPr/>
+        </p:nvSpPr>
+        <p:spPr>
+          <a:xfrm>
+            <a:off x="5343390" y="5503735"/>
+            <a:ext cx="615378" cy="507037"/>
+          </a:xfrm>
+          <a:prstGeom prst="rect">
+            <a:avLst/>
+          </a:prstGeom>
+        </p:spPr>
+        <p:style>
+          <a:lnRef idx="2">
+            <a:schemeClr val="accent1">
+              <a:shade val="50000"/>
+            </a:schemeClr>
+          </a:lnRef>
+          <a:fillRef idx="1">
+            <a:schemeClr val="accent1"/>
+          </a:fillRef>
+          <a:effectRef idx="0">
+            <a:schemeClr val="accent1"/>
+          </a:effectRef>
+          <a:fontRef idx="minor">
+            <a:schemeClr val="lt1"/>
+          </a:fontRef>
+        </p:style>
+        <p:txBody>
+          <a:bodyPr rtlCol="0" anchor="ctr"/>
+          <a:lstStyle/>
+          <a:p>
+            <a:pPr algn="ctr"/>
+            <a:r>
+              <a:rPr lang="fr-FR" dirty="0"/>
+              <a:t>CPU</a:t>
+            </a:r>
+          </a:p>
+        </p:txBody>
+      </p:sp>
+      <p:sp>
+        <p:nvSpPr>
+          <p:cNvPr id="17" name="Rectangle 16">
+            <a:extLst>
+              <a:ext uri="{FF2B5EF4-FFF2-40B4-BE49-F238E27FC236}">
+                <a16:creationId xmlns:a16="http://schemas.microsoft.com/office/drawing/2014/main" id="{2E500701-43A4-4BBC-86C0-90FF88FD6122}"/>
+              </a:ext>
+            </a:extLst>
+          </p:cNvPr>
+          <p:cNvSpPr/>
+          <p:nvPr/>
+        </p:nvSpPr>
+        <p:spPr>
+          <a:xfrm>
+            <a:off x="6730157" y="5503735"/>
+            <a:ext cx="1109415" cy="507037"/>
+          </a:xfrm>
+          <a:prstGeom prst="rect">
+            <a:avLst/>
+          </a:prstGeom>
+        </p:spPr>
+        <p:style>
+          <a:lnRef idx="2">
+            <a:schemeClr val="accent1">
+              <a:shade val="50000"/>
+            </a:schemeClr>
+          </a:lnRef>
+          <a:fillRef idx="1">
+            <a:schemeClr val="accent1"/>
+          </a:fillRef>
+          <a:effectRef idx="0">
+            <a:schemeClr val="accent1"/>
+          </a:effectRef>
+          <a:fontRef idx="minor">
+            <a:schemeClr val="lt1"/>
+          </a:fontRef>
+        </p:style>
+        <p:txBody>
+          <a:bodyPr rtlCol="0" anchor="ctr"/>
+          <a:lstStyle/>
+          <a:p>
+            <a:pPr algn="ctr"/>
+            <a:r>
+              <a:rPr lang="fr-FR" dirty="0"/>
+              <a:t>RAM</a:t>
+            </a:r>
+          </a:p>
+        </p:txBody>
+      </p:sp>
+      <p:cxnSp>
+        <p:nvCxnSpPr>
+          <p:cNvPr id="19" name="Straight Arrow Connector 18">
+            <a:extLst>
+              <a:ext uri="{FF2B5EF4-FFF2-40B4-BE49-F238E27FC236}">
+                <a16:creationId xmlns:a16="http://schemas.microsoft.com/office/drawing/2014/main" id="{04D0D390-F5A3-4CE6-A7F2-AF79E8BD37F4}"/>
+              </a:ext>
+            </a:extLst>
+          </p:cNvPr>
+          <p:cNvCxnSpPr>
+            <a:endCxn id="17" idx="1"/>
+          </p:cNvCxnSpPr>
+          <p:nvPr/>
+        </p:nvCxnSpPr>
+        <p:spPr>
+          <a:xfrm>
+            <a:off x="5958768" y="5742085"/>
+            <a:ext cx="771389" cy="15169"/>
+          </a:xfrm>
+          <a:prstGeom prst="straightConnector1">
+            <a:avLst/>
+          </a:prstGeom>
+          <a:ln w="76200">
+            <a:headEnd type="triangle"/>
+            <a:tailEnd type="triangle"/>
+          </a:ln>
+        </p:spPr>
+        <p:style>
+          <a:lnRef idx="1">
+            <a:schemeClr val="accent1"/>
+          </a:lnRef>
+          <a:fillRef idx="0">
+            <a:schemeClr val="accent1"/>
+          </a:fillRef>
+          <a:effectRef idx="0">
+            <a:schemeClr val="accent1"/>
+          </a:effectRef>
+          <a:fontRef idx="minor">
+            <a:schemeClr val="tx1"/>
+          </a:fontRef>
+        </p:style>
+      </p:cxnSp>
+      <p:cxnSp>
+        <p:nvCxnSpPr>
+          <p:cNvPr id="21" name="Straight Arrow Connector 20">
+            <a:extLst>
+              <a:ext uri="{FF2B5EF4-FFF2-40B4-BE49-F238E27FC236}">
+                <a16:creationId xmlns:a16="http://schemas.microsoft.com/office/drawing/2014/main" id="{2DF090C6-C489-4270-8A4F-00949282C6F9}"/>
+              </a:ext>
+            </a:extLst>
+          </p:cNvPr>
+          <p:cNvCxnSpPr/>
+          <p:nvPr/>
+        </p:nvCxnSpPr>
+        <p:spPr>
+          <a:xfrm flipV="1">
+            <a:off x="5638078" y="3553592"/>
+            <a:ext cx="0" cy="1950143"/>
+          </a:xfrm>
+          <a:prstGeom prst="straightConnector1">
+            <a:avLst/>
+          </a:prstGeom>
+          <a:ln w="76200">
+            <a:headEnd type="triangle"/>
+            <a:tailEnd type="triangle"/>
+          </a:ln>
+        </p:spPr>
+        <p:style>
+          <a:lnRef idx="1">
+            <a:schemeClr val="accent1"/>
+          </a:lnRef>
+          <a:fillRef idx="0">
+            <a:schemeClr val="accent1"/>
+          </a:fillRef>
+          <a:effectRef idx="0">
+            <a:schemeClr val="accent1"/>
+          </a:effectRef>
+          <a:fontRef idx="minor">
+            <a:schemeClr val="tx1"/>
+          </a:fontRef>
+        </p:style>
+      </p:cxnSp>
+      <p:sp>
+        <p:nvSpPr>
+          <p:cNvPr id="22" name="Rectangle: Rounded Corners 21">
+            <a:extLst>
+              <a:ext uri="{FF2B5EF4-FFF2-40B4-BE49-F238E27FC236}">
+                <a16:creationId xmlns:a16="http://schemas.microsoft.com/office/drawing/2014/main" id="{D023A89E-67D8-442D-B9A1-E1472806D686}"/>
+              </a:ext>
+            </a:extLst>
+          </p:cNvPr>
+          <p:cNvSpPr/>
+          <p:nvPr/>
+        </p:nvSpPr>
+        <p:spPr>
+          <a:xfrm>
+            <a:off x="5063869" y="2907886"/>
+            <a:ext cx="1174419" cy="645706"/>
+          </a:xfrm>
+          <a:prstGeom prst="roundRect">
+            <a:avLst/>
+          </a:prstGeom>
+        </p:spPr>
+        <p:style>
+          <a:lnRef idx="2">
+            <a:schemeClr val="accent1">
+              <a:shade val="50000"/>
+            </a:schemeClr>
+          </a:lnRef>
+          <a:fillRef idx="1">
+            <a:schemeClr val="accent1"/>
+          </a:fillRef>
+          <a:effectRef idx="0">
+            <a:schemeClr val="accent1"/>
+          </a:effectRef>
+          <a:fontRef idx="minor">
+            <a:schemeClr val="lt1"/>
+          </a:fontRef>
+        </p:style>
+        <p:txBody>
+          <a:bodyPr rtlCol="0" anchor="ctr"/>
+          <a:lstStyle/>
+          <a:p>
+            <a:pPr algn="ctr"/>
+            <a:r>
+              <a:rPr lang="fr-FR" dirty="0" err="1"/>
+              <a:t>ctrlDD</a:t>
+            </a:r>
+            <a:endParaRPr lang="fr-FR" dirty="0"/>
+          </a:p>
+        </p:txBody>
+      </p:sp>
+      <p:cxnSp>
+        <p:nvCxnSpPr>
+          <p:cNvPr id="24" name="Straight Arrow Connector 23">
+            <a:extLst>
+              <a:ext uri="{FF2B5EF4-FFF2-40B4-BE49-F238E27FC236}">
+                <a16:creationId xmlns:a16="http://schemas.microsoft.com/office/drawing/2014/main" id="{B26523BA-6577-4D01-B2C3-5AC961E0CAE6}"/>
+              </a:ext>
+            </a:extLst>
+          </p:cNvPr>
+          <p:cNvCxnSpPr/>
+          <p:nvPr/>
+        </p:nvCxnSpPr>
+        <p:spPr>
+          <a:xfrm flipH="1">
+            <a:off x="4130685" y="5739918"/>
+            <a:ext cx="1213422" cy="15168"/>
+          </a:xfrm>
+          <a:prstGeom prst="straightConnector1">
+            <a:avLst/>
+          </a:prstGeom>
+          <a:ln w="76200">
+            <a:headEnd type="triangle"/>
+            <a:tailEnd type="triangle"/>
+          </a:ln>
+        </p:spPr>
+        <p:style>
+          <a:lnRef idx="1">
+            <a:schemeClr val="accent1"/>
+          </a:lnRef>
+          <a:fillRef idx="0">
+            <a:schemeClr val="accent1"/>
+          </a:fillRef>
+          <a:effectRef idx="0">
+            <a:schemeClr val="accent1"/>
+          </a:effectRef>
+          <a:fontRef idx="minor">
+            <a:schemeClr val="tx1"/>
+          </a:fontRef>
+        </p:style>
+      </p:cxnSp>
+      <p:sp>
+        <p:nvSpPr>
+          <p:cNvPr id="25" name="Rectangle: Rounded Corners 24">
+            <a:extLst>
+              <a:ext uri="{FF2B5EF4-FFF2-40B4-BE49-F238E27FC236}">
+                <a16:creationId xmlns:a16="http://schemas.microsoft.com/office/drawing/2014/main" id="{C301D75F-0F6B-4899-BCCF-51526217653C}"/>
+              </a:ext>
+            </a:extLst>
+          </p:cNvPr>
+          <p:cNvSpPr/>
+          <p:nvPr/>
+        </p:nvSpPr>
+        <p:spPr>
+          <a:xfrm>
+            <a:off x="3124561" y="5330389"/>
+            <a:ext cx="1022741" cy="884062"/>
+          </a:xfrm>
+          <a:prstGeom prst="roundRect">
+            <a:avLst/>
+          </a:prstGeom>
+        </p:spPr>
+        <p:style>
+          <a:lnRef idx="2">
+            <a:schemeClr val="accent1">
+              <a:shade val="50000"/>
+            </a:schemeClr>
+          </a:lnRef>
+          <a:fillRef idx="1">
+            <a:schemeClr val="accent1"/>
+          </a:fillRef>
+          <a:effectRef idx="0">
+            <a:schemeClr val="accent1"/>
+          </a:effectRef>
+          <a:fontRef idx="minor">
+            <a:schemeClr val="lt1"/>
+          </a:fontRef>
+        </p:style>
+        <p:txBody>
+          <a:bodyPr rtlCol="0" anchor="ctr"/>
+          <a:lstStyle/>
+          <a:p>
+            <a:pPr algn="ctr"/>
+            <a:r>
+              <a:rPr lang="fr-FR" dirty="0" err="1"/>
+              <a:t>CarteR</a:t>
+            </a:r>
+            <a:endParaRPr lang="fr-FR" dirty="0"/>
+          </a:p>
+        </p:txBody>
+      </p:sp>
+      <p:sp>
+        <p:nvSpPr>
+          <p:cNvPr id="26" name="Oval 25">
+            <a:extLst>
+              <a:ext uri="{FF2B5EF4-FFF2-40B4-BE49-F238E27FC236}">
+                <a16:creationId xmlns:a16="http://schemas.microsoft.com/office/drawing/2014/main" id="{C130704C-9D48-4950-B02C-A48DC62786AD}"/>
+              </a:ext>
+            </a:extLst>
+          </p:cNvPr>
+          <p:cNvSpPr/>
+          <p:nvPr/>
+        </p:nvSpPr>
+        <p:spPr>
+          <a:xfrm>
+            <a:off x="6847166" y="2985884"/>
+            <a:ext cx="2439844" cy="567664"/>
+          </a:xfrm>
+          <a:prstGeom prst="ellipse">
+            <a:avLst/>
+          </a:prstGeom>
+        </p:spPr>
+        <p:style>
+          <a:lnRef idx="2">
+            <a:schemeClr val="accent1">
+              <a:shade val="50000"/>
+            </a:schemeClr>
+          </a:lnRef>
+          <a:fillRef idx="1">
+            <a:schemeClr val="accent1"/>
+          </a:fillRef>
+          <a:effectRef idx="0">
+            <a:schemeClr val="accent1"/>
+          </a:effectRef>
+          <a:fontRef idx="minor">
+            <a:schemeClr val="lt1"/>
+          </a:fontRef>
+        </p:style>
+        <p:txBody>
+          <a:bodyPr rtlCol="0" anchor="ctr"/>
+          <a:lstStyle/>
+          <a:p>
+            <a:pPr algn="ctr"/>
+            <a:endParaRPr lang="fr-FR"/>
+          </a:p>
+        </p:txBody>
+      </p:sp>
+      <p:sp>
+        <p:nvSpPr>
+          <p:cNvPr id="27" name="Oval 26">
+            <a:extLst>
+              <a:ext uri="{FF2B5EF4-FFF2-40B4-BE49-F238E27FC236}">
+                <a16:creationId xmlns:a16="http://schemas.microsoft.com/office/drawing/2014/main" id="{27935567-0D97-4F61-870A-A61E1E16803B}"/>
+              </a:ext>
+            </a:extLst>
+          </p:cNvPr>
+          <p:cNvSpPr/>
+          <p:nvPr/>
+        </p:nvSpPr>
+        <p:spPr>
+          <a:xfrm>
+            <a:off x="6847166" y="3194622"/>
+            <a:ext cx="2439844" cy="567664"/>
+          </a:xfrm>
+          <a:prstGeom prst="ellipse">
+            <a:avLst/>
+          </a:prstGeom>
+        </p:spPr>
+        <p:style>
+          <a:lnRef idx="2">
+            <a:schemeClr val="accent1">
+              <a:shade val="50000"/>
+            </a:schemeClr>
+          </a:lnRef>
+          <a:fillRef idx="1">
+            <a:schemeClr val="accent1"/>
+          </a:fillRef>
+          <a:effectRef idx="0">
+            <a:schemeClr val="accent1"/>
+          </a:effectRef>
+          <a:fontRef idx="minor">
+            <a:schemeClr val="lt1"/>
+          </a:fontRef>
+        </p:style>
+        <p:txBody>
+          <a:bodyPr rtlCol="0" anchor="ctr"/>
+          <a:lstStyle/>
+          <a:p>
+            <a:pPr algn="ctr"/>
+            <a:endParaRPr lang="fr-FR"/>
+          </a:p>
+        </p:txBody>
+      </p:sp>
+      <p:cxnSp>
+        <p:nvCxnSpPr>
+          <p:cNvPr id="29" name="Straight Arrow Connector 28">
+            <a:extLst>
+              <a:ext uri="{FF2B5EF4-FFF2-40B4-BE49-F238E27FC236}">
+                <a16:creationId xmlns:a16="http://schemas.microsoft.com/office/drawing/2014/main" id="{4BEA61C5-7F32-4E41-8BCE-7C01E4A8FE61}"/>
+              </a:ext>
+            </a:extLst>
+          </p:cNvPr>
+          <p:cNvCxnSpPr>
+            <a:stCxn id="22" idx="3"/>
+            <a:endCxn id="27" idx="2"/>
+          </p:cNvCxnSpPr>
+          <p:nvPr/>
+        </p:nvCxnSpPr>
+        <p:spPr>
+          <a:xfrm>
+            <a:off x="6238288" y="3230739"/>
+            <a:ext cx="608878" cy="247715"/>
+          </a:xfrm>
+          <a:prstGeom prst="straightConnector1">
+            <a:avLst/>
+          </a:prstGeom>
+          <a:ln w="76200">
+            <a:tailEnd type="triangle"/>
+          </a:ln>
+        </p:spPr>
+        <p:style>
+          <a:lnRef idx="1">
+            <a:schemeClr val="accent1"/>
+          </a:lnRef>
+          <a:fillRef idx="0">
+            <a:schemeClr val="accent1"/>
+          </a:fillRef>
+          <a:effectRef idx="0">
+            <a:schemeClr val="accent1"/>
+          </a:effectRef>
+          <a:fontRef idx="minor">
+            <a:schemeClr val="tx1"/>
+          </a:fontRef>
+        </p:style>
+      </p:cxnSp>
+      <p:cxnSp>
+        <p:nvCxnSpPr>
+          <p:cNvPr id="31" name="Straight Arrow Connector 30">
+            <a:extLst>
+              <a:ext uri="{FF2B5EF4-FFF2-40B4-BE49-F238E27FC236}">
+                <a16:creationId xmlns:a16="http://schemas.microsoft.com/office/drawing/2014/main" id="{27A7E261-5ECC-4760-87E0-736C16AC9FB2}"/>
+              </a:ext>
+            </a:extLst>
+          </p:cNvPr>
+          <p:cNvCxnSpPr>
+            <a:endCxn id="17" idx="0"/>
+          </p:cNvCxnSpPr>
+          <p:nvPr/>
+        </p:nvCxnSpPr>
+        <p:spPr>
+          <a:xfrm>
+            <a:off x="5876428" y="3572699"/>
+            <a:ext cx="1408437" cy="1931036"/>
+          </a:xfrm>
+          <a:prstGeom prst="straightConnector1">
+            <a:avLst/>
+          </a:prstGeom>
+          <a:ln w="76200">
+            <a:headEnd type="triangle"/>
+            <a:tailEnd type="triangle"/>
+          </a:ln>
+        </p:spPr>
+        <p:style>
+          <a:lnRef idx="1">
+            <a:schemeClr val="accent1"/>
+          </a:lnRef>
+          <a:fillRef idx="0">
+            <a:schemeClr val="accent1"/>
+          </a:fillRef>
+          <a:effectRef idx="0">
+            <a:schemeClr val="accent1"/>
+          </a:effectRef>
+          <a:fontRef idx="minor">
+            <a:schemeClr val="tx1"/>
+          </a:fontRef>
+        </p:style>
+      </p:cxnSp>
+      <p:cxnSp>
+        <p:nvCxnSpPr>
+          <p:cNvPr id="32" name="Straight Arrow Connector 31">
+            <a:extLst>
+              <a:ext uri="{FF2B5EF4-FFF2-40B4-BE49-F238E27FC236}">
+                <a16:creationId xmlns:a16="http://schemas.microsoft.com/office/drawing/2014/main" id="{77818B67-F916-43A3-830A-41CBB5B181AB}"/>
+              </a:ext>
+            </a:extLst>
+          </p:cNvPr>
+          <p:cNvCxnSpPr/>
+          <p:nvPr/>
+        </p:nvCxnSpPr>
+        <p:spPr>
+          <a:xfrm>
+            <a:off x="369082" y="2072207"/>
+            <a:ext cx="11596846" cy="0"/>
+          </a:xfrm>
+          <a:prstGeom prst="straightConnector1">
+            <a:avLst/>
+          </a:prstGeom>
+          <a:ln w="76200">
+            <a:tailEnd type="triangle"/>
+          </a:ln>
+        </p:spPr>
+        <p:style>
+          <a:lnRef idx="1">
+            <a:schemeClr val="accent1"/>
+          </a:lnRef>
+          <a:fillRef idx="0">
+            <a:schemeClr val="accent1"/>
+          </a:fillRef>
+          <a:effectRef idx="0">
+            <a:schemeClr val="accent1"/>
+          </a:effectRef>
+          <a:fontRef idx="minor">
+            <a:schemeClr val="tx1"/>
+          </a:fontRef>
+        </p:style>
+      </p:cxnSp>
+      <p:sp>
+        <p:nvSpPr>
+          <p:cNvPr id="33" name="TextBox 32">
+            <a:extLst>
+              <a:ext uri="{FF2B5EF4-FFF2-40B4-BE49-F238E27FC236}">
+                <a16:creationId xmlns:a16="http://schemas.microsoft.com/office/drawing/2014/main" id="{2B88C647-B0E9-481D-9AF3-4114DFDDE76C}"/>
+              </a:ext>
+            </a:extLst>
+          </p:cNvPr>
+          <p:cNvSpPr txBox="1"/>
+          <p:nvPr/>
+        </p:nvSpPr>
+        <p:spPr>
+          <a:xfrm>
+            <a:off x="10886127" y="386182"/>
+            <a:ext cx="574196" cy="369332"/>
+          </a:xfrm>
+          <a:prstGeom prst="rect">
+            <a:avLst/>
+          </a:prstGeom>
+          <a:noFill/>
+        </p:spPr>
+        <p:txBody>
+          <a:bodyPr wrap="none" rtlCol="0">
+            <a:spAutoFit/>
+          </a:bodyPr>
+          <a:lstStyle/>
+          <a:p>
+            <a:r>
+              <a:rPr lang="fr-FR" dirty="0"/>
+              <a:t>CPU</a:t>
+            </a:r>
+          </a:p>
+        </p:txBody>
+      </p:sp>
+      <p:sp>
+        <p:nvSpPr>
+          <p:cNvPr id="34" name="TextBox 33">
+            <a:extLst>
+              <a:ext uri="{FF2B5EF4-FFF2-40B4-BE49-F238E27FC236}">
+                <a16:creationId xmlns:a16="http://schemas.microsoft.com/office/drawing/2014/main" id="{D2C25801-16F6-48A6-A879-98CE8C0E6EFE}"/>
+              </a:ext>
+            </a:extLst>
+          </p:cNvPr>
+          <p:cNvSpPr txBox="1"/>
+          <p:nvPr/>
+        </p:nvSpPr>
+        <p:spPr>
+          <a:xfrm>
+            <a:off x="10913206" y="1639328"/>
+            <a:ext cx="803425" cy="369332"/>
+          </a:xfrm>
+          <a:prstGeom prst="rect">
+            <a:avLst/>
+          </a:prstGeom>
+          <a:noFill/>
+        </p:spPr>
+        <p:txBody>
+          <a:bodyPr wrap="none" rtlCol="0">
+            <a:spAutoFit/>
+          </a:bodyPr>
+          <a:lstStyle/>
+          <a:p>
+            <a:r>
+              <a:rPr lang="fr-FR" dirty="0" err="1"/>
+              <a:t>CtrlDD</a:t>
+            </a:r>
+            <a:endParaRPr lang="fr-FR" dirty="0"/>
+          </a:p>
+        </p:txBody>
+      </p:sp>
+      <p:cxnSp>
+        <p:nvCxnSpPr>
+          <p:cNvPr id="36" name="Straight Arrow Connector 35">
+            <a:extLst>
+              <a:ext uri="{FF2B5EF4-FFF2-40B4-BE49-F238E27FC236}">
+                <a16:creationId xmlns:a16="http://schemas.microsoft.com/office/drawing/2014/main" id="{6FD7430C-A02B-4521-AE8F-24BF1AFBB85A}"/>
+              </a:ext>
+            </a:extLst>
+          </p:cNvPr>
+          <p:cNvCxnSpPr/>
+          <p:nvPr/>
+        </p:nvCxnSpPr>
+        <p:spPr>
+          <a:xfrm>
+            <a:off x="754055" y="1174419"/>
+            <a:ext cx="43336" cy="834241"/>
+          </a:xfrm>
+          <a:prstGeom prst="straightConnector1">
+            <a:avLst/>
+          </a:prstGeom>
+          <a:ln w="76200">
+            <a:tailEnd type="triangle"/>
+          </a:ln>
+        </p:spPr>
+        <p:style>
+          <a:lnRef idx="1">
+            <a:schemeClr val="accent1"/>
+          </a:lnRef>
+          <a:fillRef idx="0">
+            <a:schemeClr val="accent1"/>
+          </a:fillRef>
+          <a:effectRef idx="0">
+            <a:schemeClr val="accent1"/>
+          </a:effectRef>
+          <a:fontRef idx="minor">
+            <a:schemeClr val="tx1"/>
+          </a:fontRef>
+        </p:style>
+      </p:cxnSp>
+      <p:sp>
+        <p:nvSpPr>
+          <p:cNvPr id="37" name="Rectangle 36">
+            <a:extLst>
+              <a:ext uri="{FF2B5EF4-FFF2-40B4-BE49-F238E27FC236}">
+                <a16:creationId xmlns:a16="http://schemas.microsoft.com/office/drawing/2014/main" id="{0F7DAC3F-FF6A-4777-AF51-D50D7CE52D23}"/>
+              </a:ext>
+            </a:extLst>
+          </p:cNvPr>
+          <p:cNvSpPr/>
+          <p:nvPr/>
+        </p:nvSpPr>
+        <p:spPr>
+          <a:xfrm>
+            <a:off x="845061" y="1895992"/>
+            <a:ext cx="5963100" cy="459361"/>
+          </a:xfrm>
+          <a:prstGeom prst="rect">
+            <a:avLst/>
+          </a:prstGeom>
+        </p:spPr>
+        <p:style>
+          <a:lnRef idx="2">
+            <a:schemeClr val="accent1">
+              <a:shade val="50000"/>
+            </a:schemeClr>
+          </a:lnRef>
+          <a:fillRef idx="1">
+            <a:schemeClr val="accent1"/>
+          </a:fillRef>
+          <a:effectRef idx="0">
+            <a:schemeClr val="accent1"/>
+          </a:effectRef>
+          <a:fontRef idx="minor">
+            <a:schemeClr val="lt1"/>
+          </a:fontRef>
+        </p:style>
+        <p:txBody>
+          <a:bodyPr rtlCol="0" anchor="ctr"/>
+          <a:lstStyle/>
+          <a:p>
+            <a:pPr algn="ctr"/>
+            <a:endParaRPr lang="fr-FR"/>
+          </a:p>
+        </p:txBody>
+      </p:sp>
+      <p:cxnSp>
+        <p:nvCxnSpPr>
+          <p:cNvPr id="39" name="Straight Arrow Connector 38">
+            <a:extLst>
+              <a:ext uri="{FF2B5EF4-FFF2-40B4-BE49-F238E27FC236}">
+                <a16:creationId xmlns:a16="http://schemas.microsoft.com/office/drawing/2014/main" id="{47913F7E-B8CB-4A18-9960-E0F92D888B7B}"/>
+              </a:ext>
+            </a:extLst>
+          </p:cNvPr>
+          <p:cNvCxnSpPr/>
+          <p:nvPr/>
+        </p:nvCxnSpPr>
+        <p:spPr>
+          <a:xfrm flipV="1">
+            <a:off x="6730157" y="873231"/>
+            <a:ext cx="229684" cy="1022761"/>
+          </a:xfrm>
+          <a:prstGeom prst="straightConnector1">
+            <a:avLst/>
+          </a:prstGeom>
+          <a:ln w="76200">
+            <a:tailEnd type="triangle"/>
+          </a:ln>
+        </p:spPr>
+        <p:style>
+          <a:lnRef idx="1">
+            <a:schemeClr val="accent1"/>
+          </a:lnRef>
+          <a:fillRef idx="0">
+            <a:schemeClr val="accent1"/>
+          </a:fillRef>
+          <a:effectRef idx="0">
+            <a:schemeClr val="accent1"/>
+          </a:effectRef>
+          <a:fontRef idx="minor">
+            <a:schemeClr val="tx1"/>
+          </a:fontRef>
+        </p:style>
+      </p:cxnSp>
+      <p:cxnSp>
+        <p:nvCxnSpPr>
+          <p:cNvPr id="41" name="Straight Connector 40">
+            <a:extLst>
+              <a:ext uri="{FF2B5EF4-FFF2-40B4-BE49-F238E27FC236}">
+                <a16:creationId xmlns:a16="http://schemas.microsoft.com/office/drawing/2014/main" id="{E7A24A37-EBFE-4EF3-AEBF-C128BC27B653}"/>
+              </a:ext>
+            </a:extLst>
+          </p:cNvPr>
+          <p:cNvCxnSpPr/>
+          <p:nvPr/>
+        </p:nvCxnSpPr>
+        <p:spPr>
+          <a:xfrm>
+            <a:off x="7033512" y="347771"/>
+            <a:ext cx="0" cy="1050920"/>
+          </a:xfrm>
+          <a:prstGeom prst="line">
+            <a:avLst/>
+          </a:prstGeom>
+          <a:ln w="76200"/>
+        </p:spPr>
+        <p:style>
+          <a:lnRef idx="1">
+            <a:schemeClr val="accent1"/>
+          </a:lnRef>
+          <a:fillRef idx="0">
+            <a:schemeClr val="accent1"/>
+          </a:fillRef>
+          <a:effectRef idx="0">
+            <a:schemeClr val="accent1"/>
+          </a:effectRef>
+          <a:fontRef idx="minor">
+            <a:schemeClr val="tx1"/>
+          </a:fontRef>
+        </p:style>
+      </p:cxnSp>
+      <p:sp>
+        <p:nvSpPr>
+          <p:cNvPr id="42" name="Rectangle 41">
+            <a:extLst>
+              <a:ext uri="{FF2B5EF4-FFF2-40B4-BE49-F238E27FC236}">
+                <a16:creationId xmlns:a16="http://schemas.microsoft.com/office/drawing/2014/main" id="{133D3493-61D0-4889-80D5-B5DB1824F8B7}"/>
+              </a:ext>
+            </a:extLst>
+          </p:cNvPr>
+          <p:cNvSpPr/>
+          <p:nvPr/>
+        </p:nvSpPr>
+        <p:spPr>
+          <a:xfrm>
+            <a:off x="7081174" y="587230"/>
+            <a:ext cx="104008" cy="519995"/>
+          </a:xfrm>
+          <a:prstGeom prst="rect">
+            <a:avLst/>
+          </a:prstGeom>
+        </p:spPr>
+        <p:style>
+          <a:lnRef idx="2">
+            <a:schemeClr val="accent6">
+              <a:shade val="50000"/>
+            </a:schemeClr>
+          </a:lnRef>
+          <a:fillRef idx="1">
+            <a:schemeClr val="accent6"/>
+          </a:fillRef>
+          <a:effectRef idx="0">
+            <a:schemeClr val="accent6"/>
+          </a:effectRef>
+          <a:fontRef idx="minor">
+            <a:schemeClr val="lt1"/>
+          </a:fontRef>
+        </p:style>
+        <p:txBody>
+          <a:bodyPr rtlCol="0" anchor="ctr"/>
+          <a:lstStyle/>
+          <a:p>
+            <a:pPr algn="ctr"/>
+            <a:endParaRPr lang="fr-FR"/>
+          </a:p>
+        </p:txBody>
+      </p:sp>
+    </p:spTree>
+    <p:extLst>
+      <p:ext uri="{BB962C8B-B14F-4D97-AF65-F5344CB8AC3E}">
+        <p14:creationId xmlns:p14="http://schemas.microsoft.com/office/powerpoint/2010/main" val="203338885"/>
+      </p:ext>
+    </p:extLst>
+  </p:cSld>
+  <p:clrMapOvr>
+    <a:masterClrMapping/>
+  </p:clrMapOvr>
+</p:sld>
+</file>
+
+<file path=ppt/slides/slide12.xml><?xml version="1.0" encoding="utf-8"?>
+<p:sld xmlns:a="http://schemas.openxmlformats.org/drawingml/2006/main" xmlns:r="http://schemas.openxmlformats.org/officeDocument/2006/relationships" xmlns:p="http://schemas.openxmlformats.org/presentationml/2006/main">
+  <p:cSld>
+    <p:spTree>
+      <p:nvGrpSpPr>
+        <p:cNvPr id="1" name=""/>
+        <p:cNvGrpSpPr/>
+        <p:nvPr/>
+      </p:nvGrpSpPr>
+      <p:grpSpPr>
+        <a:xfrm>
+          <a:off x="0" y="0"/>
+          <a:ext cx="0" cy="0"/>
+          <a:chOff x="0" y="0"/>
+          <a:chExt cx="0" cy="0"/>
+        </a:xfrm>
+      </p:grpSpPr>
+      <p:cxnSp>
+        <p:nvCxnSpPr>
+          <p:cNvPr id="5" name="Straight Arrow Connector 4">
+            <a:extLst>
+              <a:ext uri="{FF2B5EF4-FFF2-40B4-BE49-F238E27FC236}">
+                <a16:creationId xmlns:a16="http://schemas.microsoft.com/office/drawing/2014/main" id="{87C44BE8-2F4E-4D1E-98C1-14C6094BBB40}"/>
+              </a:ext>
+            </a:extLst>
+          </p:cNvPr>
+          <p:cNvCxnSpPr/>
+          <p:nvPr/>
+        </p:nvCxnSpPr>
+        <p:spPr>
+          <a:xfrm>
+            <a:off x="498370" y="884064"/>
+            <a:ext cx="11154813" cy="0"/>
+          </a:xfrm>
+          <a:prstGeom prst="straightConnector1">
+            <a:avLst/>
+          </a:prstGeom>
+          <a:ln w="76200">
+            <a:tailEnd type="triangle"/>
+          </a:ln>
+        </p:spPr>
+        <p:style>
+          <a:lnRef idx="1">
+            <a:schemeClr val="accent1"/>
+          </a:lnRef>
+          <a:fillRef idx="0">
+            <a:schemeClr val="accent1"/>
+          </a:fillRef>
+          <a:effectRef idx="0">
+            <a:schemeClr val="accent1"/>
+          </a:effectRef>
+          <a:fontRef idx="minor">
+            <a:schemeClr val="tx1"/>
+          </a:fontRef>
+        </p:style>
+      </p:cxnSp>
+      <p:cxnSp>
+        <p:nvCxnSpPr>
+          <p:cNvPr id="6" name="Straight Arrow Connector 5">
+            <a:extLst>
+              <a:ext uri="{FF2B5EF4-FFF2-40B4-BE49-F238E27FC236}">
+                <a16:creationId xmlns:a16="http://schemas.microsoft.com/office/drawing/2014/main" id="{89504DCC-94A3-490A-9BD2-C8490C15ECD1}"/>
+              </a:ext>
+            </a:extLst>
+          </p:cNvPr>
+          <p:cNvCxnSpPr/>
+          <p:nvPr/>
+        </p:nvCxnSpPr>
+        <p:spPr>
+          <a:xfrm>
+            <a:off x="518593" y="1989866"/>
+            <a:ext cx="11154813" cy="0"/>
+          </a:xfrm>
+          <a:prstGeom prst="straightConnector1">
+            <a:avLst/>
+          </a:prstGeom>
+          <a:ln w="76200">
+            <a:tailEnd type="triangle"/>
+          </a:ln>
+        </p:spPr>
+        <p:style>
+          <a:lnRef idx="1">
+            <a:schemeClr val="accent1"/>
+          </a:lnRef>
+          <a:fillRef idx="0">
+            <a:schemeClr val="accent1"/>
+          </a:fillRef>
+          <a:effectRef idx="0">
+            <a:schemeClr val="accent1"/>
+          </a:effectRef>
+          <a:fontRef idx="minor">
+            <a:schemeClr val="tx1"/>
+          </a:fontRef>
+        </p:style>
+      </p:cxnSp>
+      <p:cxnSp>
+        <p:nvCxnSpPr>
+          <p:cNvPr id="8" name="Straight Connector 7">
+            <a:extLst>
+              <a:ext uri="{FF2B5EF4-FFF2-40B4-BE49-F238E27FC236}">
+                <a16:creationId xmlns:a16="http://schemas.microsoft.com/office/drawing/2014/main" id="{0362046D-665A-435A-9EAF-FAC39ABB766A}"/>
+              </a:ext>
+            </a:extLst>
+          </p:cNvPr>
+          <p:cNvCxnSpPr/>
+          <p:nvPr/>
+        </p:nvCxnSpPr>
+        <p:spPr>
+          <a:xfrm>
+            <a:off x="832061" y="619712"/>
+            <a:ext cx="0" cy="550373"/>
+          </a:xfrm>
+          <a:prstGeom prst="line">
+            <a:avLst/>
+          </a:prstGeom>
+          <a:ln w="76200"/>
+        </p:spPr>
+        <p:style>
+          <a:lnRef idx="1">
+            <a:schemeClr val="accent1"/>
+          </a:lnRef>
+          <a:fillRef idx="0">
+            <a:schemeClr val="accent1"/>
+          </a:fillRef>
+          <a:effectRef idx="0">
+            <a:schemeClr val="accent1"/>
+          </a:effectRef>
+          <a:fontRef idx="minor">
+            <a:schemeClr val="tx1"/>
+          </a:fontRef>
+        </p:style>
+      </p:cxnSp>
+      <p:sp>
+        <p:nvSpPr>
+          <p:cNvPr id="9" name="Rectangle 8">
+            <a:extLst>
+              <a:ext uri="{FF2B5EF4-FFF2-40B4-BE49-F238E27FC236}">
+                <a16:creationId xmlns:a16="http://schemas.microsoft.com/office/drawing/2014/main" id="{8E7A32EB-B7B7-4D61-B979-F3BEF0BBAEDB}"/>
+              </a:ext>
+            </a:extLst>
+          </p:cNvPr>
+          <p:cNvSpPr/>
+          <p:nvPr/>
+        </p:nvSpPr>
+        <p:spPr>
+          <a:xfrm>
+            <a:off x="871064" y="693384"/>
+            <a:ext cx="9035658" cy="424696"/>
+          </a:xfrm>
+          <a:prstGeom prst="rect">
+            <a:avLst/>
+          </a:prstGeom>
+        </p:spPr>
+        <p:style>
+          <a:lnRef idx="2">
+            <a:schemeClr val="accent6">
+              <a:shade val="50000"/>
+            </a:schemeClr>
+          </a:lnRef>
+          <a:fillRef idx="1">
+            <a:schemeClr val="accent6"/>
+          </a:fillRef>
+          <a:effectRef idx="0">
+            <a:schemeClr val="accent6"/>
+          </a:effectRef>
+          <a:fontRef idx="minor">
+            <a:schemeClr val="lt1"/>
+          </a:fontRef>
+        </p:style>
+        <p:txBody>
+          <a:bodyPr rtlCol="0" anchor="ctr"/>
+          <a:lstStyle/>
+          <a:p>
+            <a:pPr algn="ctr"/>
+            <a:endParaRPr lang="fr-FR"/>
+          </a:p>
+        </p:txBody>
+      </p:sp>
+      <p:sp>
+        <p:nvSpPr>
+          <p:cNvPr id="10" name="TextBox 9">
+            <a:extLst>
+              <a:ext uri="{FF2B5EF4-FFF2-40B4-BE49-F238E27FC236}">
+                <a16:creationId xmlns:a16="http://schemas.microsoft.com/office/drawing/2014/main" id="{448EC148-8020-4C24-AEFC-63E6B02B6F63}"/>
+              </a:ext>
+            </a:extLst>
+          </p:cNvPr>
+          <p:cNvSpPr txBox="1"/>
+          <p:nvPr/>
+        </p:nvSpPr>
+        <p:spPr>
+          <a:xfrm>
+            <a:off x="10847124" y="515704"/>
+            <a:ext cx="574196" cy="369332"/>
+          </a:xfrm>
+          <a:prstGeom prst="rect">
+            <a:avLst/>
+          </a:prstGeom>
+          <a:noFill/>
+        </p:spPr>
+        <p:txBody>
+          <a:bodyPr wrap="none" rtlCol="0">
+            <a:spAutoFit/>
+          </a:bodyPr>
+          <a:lstStyle/>
+          <a:p>
+            <a:r>
+              <a:rPr lang="fr-FR" dirty="0"/>
+              <a:t>CPU</a:t>
+            </a:r>
+          </a:p>
+        </p:txBody>
+      </p:sp>
+      <p:cxnSp>
+        <p:nvCxnSpPr>
+          <p:cNvPr id="12" name="Straight Arrow Connector 11">
+            <a:extLst>
+              <a:ext uri="{FF2B5EF4-FFF2-40B4-BE49-F238E27FC236}">
+                <a16:creationId xmlns:a16="http://schemas.microsoft.com/office/drawing/2014/main" id="{334CCE40-2417-4CAD-B070-1B40AFB3DE8B}"/>
+              </a:ext>
+            </a:extLst>
+          </p:cNvPr>
+          <p:cNvCxnSpPr/>
+          <p:nvPr/>
+        </p:nvCxnSpPr>
+        <p:spPr>
+          <a:xfrm>
+            <a:off x="953403" y="1243757"/>
+            <a:ext cx="86673" cy="694104"/>
+          </a:xfrm>
+          <a:prstGeom prst="straightConnector1">
+            <a:avLst/>
+          </a:prstGeom>
+          <a:ln w="76200">
+            <a:tailEnd type="triangle"/>
+          </a:ln>
+        </p:spPr>
+        <p:style>
+          <a:lnRef idx="1">
+            <a:schemeClr val="accent1"/>
+          </a:lnRef>
+          <a:fillRef idx="0">
+            <a:schemeClr val="accent1"/>
+          </a:fillRef>
+          <a:effectRef idx="0">
+            <a:schemeClr val="accent1"/>
+          </a:effectRef>
+          <a:fontRef idx="minor">
+            <a:schemeClr val="tx1"/>
+          </a:fontRef>
+        </p:style>
+      </p:cxnSp>
+      <p:sp>
+        <p:nvSpPr>
+          <p:cNvPr id="13" name="Rectangle 12">
+            <a:extLst>
+              <a:ext uri="{FF2B5EF4-FFF2-40B4-BE49-F238E27FC236}">
+                <a16:creationId xmlns:a16="http://schemas.microsoft.com/office/drawing/2014/main" id="{C3BF969F-BA79-495A-AEEB-411CF8ADF9F3}"/>
+              </a:ext>
+            </a:extLst>
+          </p:cNvPr>
+          <p:cNvSpPr/>
+          <p:nvPr/>
+        </p:nvSpPr>
+        <p:spPr>
+          <a:xfrm>
+            <a:off x="1105081" y="1798464"/>
+            <a:ext cx="3596928" cy="385692"/>
+          </a:xfrm>
+          <a:prstGeom prst="rect">
+            <a:avLst/>
+          </a:prstGeom>
+        </p:spPr>
+        <p:style>
+          <a:lnRef idx="2">
+            <a:schemeClr val="accent1">
+              <a:shade val="50000"/>
+            </a:schemeClr>
+          </a:lnRef>
+          <a:fillRef idx="1">
+            <a:schemeClr val="accent1"/>
+          </a:fillRef>
+          <a:effectRef idx="0">
+            <a:schemeClr val="accent1"/>
+          </a:effectRef>
+          <a:fontRef idx="minor">
+            <a:schemeClr val="lt1"/>
+          </a:fontRef>
+        </p:style>
+        <p:txBody>
+          <a:bodyPr rtlCol="0" anchor="ctr"/>
+          <a:lstStyle/>
+          <a:p>
+            <a:pPr algn="ctr"/>
+            <a:endParaRPr lang="fr-FR"/>
+          </a:p>
+        </p:txBody>
+      </p:sp>
+      <p:cxnSp>
+        <p:nvCxnSpPr>
+          <p:cNvPr id="15" name="Straight Arrow Connector 14">
+            <a:extLst>
+              <a:ext uri="{FF2B5EF4-FFF2-40B4-BE49-F238E27FC236}">
+                <a16:creationId xmlns:a16="http://schemas.microsoft.com/office/drawing/2014/main" id="{BF3E6484-BA54-4AD6-A0EF-4385BC75A712}"/>
+              </a:ext>
+            </a:extLst>
+          </p:cNvPr>
+          <p:cNvCxnSpPr/>
+          <p:nvPr/>
+        </p:nvCxnSpPr>
+        <p:spPr>
+          <a:xfrm flipV="1">
+            <a:off x="4615336" y="1148417"/>
+            <a:ext cx="208016" cy="554707"/>
+          </a:xfrm>
+          <a:prstGeom prst="straightConnector1">
+            <a:avLst/>
+          </a:prstGeom>
+          <a:ln w="76200">
+            <a:tailEnd type="triangle"/>
+          </a:ln>
+        </p:spPr>
+        <p:style>
+          <a:lnRef idx="1">
+            <a:schemeClr val="accent1"/>
+          </a:lnRef>
+          <a:fillRef idx="0">
+            <a:schemeClr val="accent1"/>
+          </a:fillRef>
+          <a:effectRef idx="0">
+            <a:schemeClr val="accent1"/>
+          </a:effectRef>
+          <a:fontRef idx="minor">
+            <a:schemeClr val="tx1"/>
+          </a:fontRef>
+        </p:style>
+      </p:cxnSp>
+      <p:cxnSp>
+        <p:nvCxnSpPr>
+          <p:cNvPr id="17" name="Straight Arrow Connector 16">
+            <a:extLst>
+              <a:ext uri="{FF2B5EF4-FFF2-40B4-BE49-F238E27FC236}">
+                <a16:creationId xmlns:a16="http://schemas.microsoft.com/office/drawing/2014/main" id="{3FBA8375-8FBC-4544-BAA5-247A1DB6AC3B}"/>
+              </a:ext>
+            </a:extLst>
+          </p:cNvPr>
+          <p:cNvCxnSpPr/>
+          <p:nvPr/>
+        </p:nvCxnSpPr>
+        <p:spPr>
+          <a:xfrm>
+            <a:off x="5265384" y="1170085"/>
+            <a:ext cx="208015" cy="567708"/>
+          </a:xfrm>
+          <a:prstGeom prst="straightConnector1">
+            <a:avLst/>
+          </a:prstGeom>
+          <a:ln w="76200">
+            <a:tailEnd type="triangle"/>
+          </a:ln>
+        </p:spPr>
+        <p:style>
+          <a:lnRef idx="1">
+            <a:schemeClr val="accent1"/>
+          </a:lnRef>
+          <a:fillRef idx="0">
+            <a:schemeClr val="accent1"/>
+          </a:fillRef>
+          <a:effectRef idx="0">
+            <a:schemeClr val="accent1"/>
+          </a:effectRef>
+          <a:fontRef idx="minor">
+            <a:schemeClr val="tx1"/>
+          </a:fontRef>
+        </p:style>
+      </p:cxnSp>
+      <p:sp>
+        <p:nvSpPr>
+          <p:cNvPr id="18" name="Rectangle 17">
+            <a:extLst>
+              <a:ext uri="{FF2B5EF4-FFF2-40B4-BE49-F238E27FC236}">
+                <a16:creationId xmlns:a16="http://schemas.microsoft.com/office/drawing/2014/main" id="{CC3780A1-978B-40A2-97BD-37275175F8B9}"/>
+              </a:ext>
+            </a:extLst>
+          </p:cNvPr>
+          <p:cNvSpPr/>
+          <p:nvPr/>
+        </p:nvSpPr>
+        <p:spPr>
+          <a:xfrm>
+            <a:off x="5473399" y="1798464"/>
+            <a:ext cx="4251310" cy="424686"/>
+          </a:xfrm>
+          <a:prstGeom prst="rect">
+            <a:avLst/>
+          </a:prstGeom>
+        </p:spPr>
+        <p:style>
+          <a:lnRef idx="2">
+            <a:schemeClr val="accent1">
+              <a:shade val="50000"/>
+            </a:schemeClr>
+          </a:lnRef>
+          <a:fillRef idx="1">
+            <a:schemeClr val="accent1"/>
+          </a:fillRef>
+          <a:effectRef idx="0">
+            <a:schemeClr val="accent1"/>
+          </a:effectRef>
+          <a:fontRef idx="minor">
+            <a:schemeClr val="lt1"/>
+          </a:fontRef>
+        </p:style>
+        <p:txBody>
+          <a:bodyPr rtlCol="0" anchor="ctr"/>
+          <a:lstStyle/>
+          <a:p>
+            <a:pPr algn="ctr"/>
+            <a:endParaRPr lang="fr-FR"/>
+          </a:p>
+        </p:txBody>
+      </p:sp>
+      <p:cxnSp>
+        <p:nvCxnSpPr>
+          <p:cNvPr id="20" name="Straight Arrow Connector 19">
+            <a:extLst>
+              <a:ext uri="{FF2B5EF4-FFF2-40B4-BE49-F238E27FC236}">
+                <a16:creationId xmlns:a16="http://schemas.microsoft.com/office/drawing/2014/main" id="{E1F1CD67-975A-431E-B075-8AE60D54A5C4}"/>
+              </a:ext>
+            </a:extLst>
+          </p:cNvPr>
+          <p:cNvCxnSpPr/>
+          <p:nvPr/>
+        </p:nvCxnSpPr>
+        <p:spPr>
+          <a:xfrm flipV="1">
+            <a:off x="9590366" y="1243757"/>
+            <a:ext cx="78006" cy="494036"/>
+          </a:xfrm>
+          <a:prstGeom prst="straightConnector1">
+            <a:avLst/>
+          </a:prstGeom>
+          <a:ln w="76200">
+            <a:tailEnd type="triangle"/>
+          </a:ln>
+        </p:spPr>
+        <p:style>
+          <a:lnRef idx="1">
+            <a:schemeClr val="accent1"/>
+          </a:lnRef>
+          <a:fillRef idx="0">
+            <a:schemeClr val="accent1"/>
+          </a:fillRef>
+          <a:effectRef idx="0">
+            <a:schemeClr val="accent1"/>
+          </a:effectRef>
+          <a:fontRef idx="minor">
+            <a:schemeClr val="tx1"/>
+          </a:fontRef>
+        </p:style>
+      </p:cxnSp>
+      <p:sp>
+        <p:nvSpPr>
+          <p:cNvPr id="21" name="TextBox 20">
+            <a:extLst>
+              <a:ext uri="{FF2B5EF4-FFF2-40B4-BE49-F238E27FC236}">
+                <a16:creationId xmlns:a16="http://schemas.microsoft.com/office/drawing/2014/main" id="{0DB855B3-4B5E-44B0-B1B1-E6BC8F15AFC7}"/>
+              </a:ext>
+            </a:extLst>
+          </p:cNvPr>
+          <p:cNvSpPr txBox="1"/>
+          <p:nvPr/>
+        </p:nvSpPr>
+        <p:spPr>
+          <a:xfrm>
+            <a:off x="10743117" y="1604175"/>
+            <a:ext cx="803425" cy="369332"/>
+          </a:xfrm>
+          <a:prstGeom prst="rect">
+            <a:avLst/>
+          </a:prstGeom>
+          <a:noFill/>
+        </p:spPr>
+        <p:txBody>
+          <a:bodyPr wrap="none" rtlCol="0">
+            <a:spAutoFit/>
+          </a:bodyPr>
+          <a:lstStyle/>
+          <a:p>
+            <a:r>
+              <a:rPr lang="fr-FR" dirty="0" err="1"/>
+              <a:t>CtrlDD</a:t>
+            </a:r>
+            <a:endParaRPr lang="fr-FR" dirty="0"/>
+          </a:p>
+        </p:txBody>
+      </p:sp>
+      <p:cxnSp>
+        <p:nvCxnSpPr>
+          <p:cNvPr id="22" name="Straight Arrow Connector 21">
+            <a:extLst>
+              <a:ext uri="{FF2B5EF4-FFF2-40B4-BE49-F238E27FC236}">
+                <a16:creationId xmlns:a16="http://schemas.microsoft.com/office/drawing/2014/main" id="{54975C92-E6CB-4CBE-AEDC-165EE2FBB37F}"/>
+              </a:ext>
+            </a:extLst>
+          </p:cNvPr>
+          <p:cNvCxnSpPr/>
+          <p:nvPr/>
+        </p:nvCxnSpPr>
+        <p:spPr>
+          <a:xfrm>
+            <a:off x="525548" y="3364354"/>
+            <a:ext cx="11154813" cy="0"/>
+          </a:xfrm>
+          <a:prstGeom prst="straightConnector1">
+            <a:avLst/>
+          </a:prstGeom>
+          <a:ln w="76200">
+            <a:tailEnd type="triangle"/>
+          </a:ln>
+        </p:spPr>
+        <p:style>
+          <a:lnRef idx="1">
+            <a:schemeClr val="accent1"/>
+          </a:lnRef>
+          <a:fillRef idx="0">
+            <a:schemeClr val="accent1"/>
+          </a:fillRef>
+          <a:effectRef idx="0">
+            <a:schemeClr val="accent1"/>
+          </a:effectRef>
+          <a:fontRef idx="minor">
+            <a:schemeClr val="tx1"/>
+          </a:fontRef>
+        </p:style>
+      </p:cxnSp>
+      <p:cxnSp>
+        <p:nvCxnSpPr>
+          <p:cNvPr id="23" name="Straight Arrow Connector 22">
+            <a:extLst>
+              <a:ext uri="{FF2B5EF4-FFF2-40B4-BE49-F238E27FC236}">
+                <a16:creationId xmlns:a16="http://schemas.microsoft.com/office/drawing/2014/main" id="{EB2C9452-BDBF-48A9-9081-05879992D5E4}"/>
+              </a:ext>
+            </a:extLst>
+          </p:cNvPr>
+          <p:cNvCxnSpPr/>
+          <p:nvPr/>
+        </p:nvCxnSpPr>
+        <p:spPr>
+          <a:xfrm>
+            <a:off x="545771" y="4470156"/>
+            <a:ext cx="11154813" cy="0"/>
+          </a:xfrm>
+          <a:prstGeom prst="straightConnector1">
+            <a:avLst/>
+          </a:prstGeom>
+          <a:ln w="76200">
+            <a:tailEnd type="triangle"/>
+          </a:ln>
+        </p:spPr>
+        <p:style>
+          <a:lnRef idx="1">
+            <a:schemeClr val="accent1"/>
+          </a:lnRef>
+          <a:fillRef idx="0">
+            <a:schemeClr val="accent1"/>
+          </a:fillRef>
+          <a:effectRef idx="0">
+            <a:schemeClr val="accent1"/>
+          </a:effectRef>
+          <a:fontRef idx="minor">
+            <a:schemeClr val="tx1"/>
+          </a:fontRef>
+        </p:style>
+      </p:cxnSp>
+      <p:cxnSp>
+        <p:nvCxnSpPr>
+          <p:cNvPr id="24" name="Straight Connector 23">
+            <a:extLst>
+              <a:ext uri="{FF2B5EF4-FFF2-40B4-BE49-F238E27FC236}">
+                <a16:creationId xmlns:a16="http://schemas.microsoft.com/office/drawing/2014/main" id="{EBB00733-1D19-48EA-9B41-2447BFFFB1FF}"/>
+              </a:ext>
+            </a:extLst>
+          </p:cNvPr>
+          <p:cNvCxnSpPr/>
+          <p:nvPr/>
+        </p:nvCxnSpPr>
+        <p:spPr>
+          <a:xfrm>
+            <a:off x="859239" y="3100002"/>
+            <a:ext cx="0" cy="550373"/>
+          </a:xfrm>
+          <a:prstGeom prst="line">
+            <a:avLst/>
+          </a:prstGeom>
+          <a:ln w="76200"/>
+        </p:spPr>
+        <p:style>
+          <a:lnRef idx="1">
+            <a:schemeClr val="accent1"/>
+          </a:lnRef>
+          <a:fillRef idx="0">
+            <a:schemeClr val="accent1"/>
+          </a:fillRef>
+          <a:effectRef idx="0">
+            <a:schemeClr val="accent1"/>
+          </a:effectRef>
+          <a:fontRef idx="minor">
+            <a:schemeClr val="tx1"/>
+          </a:fontRef>
+        </p:style>
+      </p:cxnSp>
+      <p:sp>
+        <p:nvSpPr>
+          <p:cNvPr id="25" name="Rectangle 24">
+            <a:extLst>
+              <a:ext uri="{FF2B5EF4-FFF2-40B4-BE49-F238E27FC236}">
+                <a16:creationId xmlns:a16="http://schemas.microsoft.com/office/drawing/2014/main" id="{B14152DF-FA0D-4944-84DB-2E18F33BB504}"/>
+              </a:ext>
+            </a:extLst>
+          </p:cNvPr>
+          <p:cNvSpPr/>
+          <p:nvPr/>
+        </p:nvSpPr>
+        <p:spPr>
+          <a:xfrm>
+            <a:off x="898242" y="3173674"/>
+            <a:ext cx="141834" cy="424696"/>
+          </a:xfrm>
+          <a:prstGeom prst="rect">
+            <a:avLst/>
+          </a:prstGeom>
+        </p:spPr>
+        <p:style>
+          <a:lnRef idx="2">
+            <a:schemeClr val="accent6">
+              <a:shade val="50000"/>
+            </a:schemeClr>
+          </a:lnRef>
+          <a:fillRef idx="1">
+            <a:schemeClr val="accent6"/>
+          </a:fillRef>
+          <a:effectRef idx="0">
+            <a:schemeClr val="accent6"/>
+          </a:effectRef>
+          <a:fontRef idx="minor">
+            <a:schemeClr val="lt1"/>
+          </a:fontRef>
+        </p:style>
+        <p:txBody>
+          <a:bodyPr rtlCol="0" anchor="ctr"/>
+          <a:lstStyle/>
+          <a:p>
+            <a:pPr algn="ctr"/>
+            <a:endParaRPr lang="fr-FR"/>
+          </a:p>
+        </p:txBody>
+      </p:sp>
+      <p:sp>
+        <p:nvSpPr>
+          <p:cNvPr id="26" name="TextBox 25">
+            <a:extLst>
+              <a:ext uri="{FF2B5EF4-FFF2-40B4-BE49-F238E27FC236}">
+                <a16:creationId xmlns:a16="http://schemas.microsoft.com/office/drawing/2014/main" id="{8D26F9F5-575B-4928-812D-2CBD10940F6D}"/>
+              </a:ext>
+            </a:extLst>
+          </p:cNvPr>
+          <p:cNvSpPr txBox="1"/>
+          <p:nvPr/>
+        </p:nvSpPr>
+        <p:spPr>
+          <a:xfrm>
+            <a:off x="10874302" y="2995994"/>
+            <a:ext cx="574196" cy="369332"/>
+          </a:xfrm>
+          <a:prstGeom prst="rect">
+            <a:avLst/>
+          </a:prstGeom>
+          <a:noFill/>
+        </p:spPr>
+        <p:txBody>
+          <a:bodyPr wrap="none" rtlCol="0">
+            <a:spAutoFit/>
+          </a:bodyPr>
+          <a:lstStyle/>
+          <a:p>
+            <a:r>
+              <a:rPr lang="fr-FR" dirty="0"/>
+              <a:t>CPU</a:t>
+            </a:r>
+          </a:p>
+        </p:txBody>
+      </p:sp>
+      <p:cxnSp>
+        <p:nvCxnSpPr>
+          <p:cNvPr id="27" name="Straight Arrow Connector 26">
+            <a:extLst>
+              <a:ext uri="{FF2B5EF4-FFF2-40B4-BE49-F238E27FC236}">
+                <a16:creationId xmlns:a16="http://schemas.microsoft.com/office/drawing/2014/main" id="{BBB19C05-6683-43A9-9501-FED079FFD0DF}"/>
+              </a:ext>
+            </a:extLst>
+          </p:cNvPr>
+          <p:cNvCxnSpPr/>
+          <p:nvPr/>
+        </p:nvCxnSpPr>
+        <p:spPr>
+          <a:xfrm>
+            <a:off x="980581" y="3724047"/>
+            <a:ext cx="86673" cy="694104"/>
+          </a:xfrm>
+          <a:prstGeom prst="straightConnector1">
+            <a:avLst/>
+          </a:prstGeom>
+          <a:ln w="76200">
+            <a:tailEnd type="triangle"/>
+          </a:ln>
+        </p:spPr>
+        <p:style>
+          <a:lnRef idx="1">
+            <a:schemeClr val="accent1"/>
+          </a:lnRef>
+          <a:fillRef idx="0">
+            <a:schemeClr val="accent1"/>
+          </a:fillRef>
+          <a:effectRef idx="0">
+            <a:schemeClr val="accent1"/>
+          </a:effectRef>
+          <a:fontRef idx="minor">
+            <a:schemeClr val="tx1"/>
+          </a:fontRef>
+        </p:style>
+      </p:cxnSp>
+      <p:sp>
+        <p:nvSpPr>
+          <p:cNvPr id="28" name="Rectangle 27">
+            <a:extLst>
+              <a:ext uri="{FF2B5EF4-FFF2-40B4-BE49-F238E27FC236}">
+                <a16:creationId xmlns:a16="http://schemas.microsoft.com/office/drawing/2014/main" id="{C67EF86F-1572-478C-842B-075A7CB864BA}"/>
+              </a:ext>
+            </a:extLst>
+          </p:cNvPr>
+          <p:cNvSpPr/>
+          <p:nvPr/>
+        </p:nvSpPr>
+        <p:spPr>
+          <a:xfrm>
+            <a:off x="1132259" y="4278754"/>
+            <a:ext cx="3596928" cy="385692"/>
+          </a:xfrm>
+          <a:prstGeom prst="rect">
+            <a:avLst/>
+          </a:prstGeom>
+        </p:spPr>
+        <p:style>
+          <a:lnRef idx="2">
+            <a:schemeClr val="accent1">
+              <a:shade val="50000"/>
+            </a:schemeClr>
+          </a:lnRef>
+          <a:fillRef idx="1">
+            <a:schemeClr val="accent1"/>
+          </a:fillRef>
+          <a:effectRef idx="0">
+            <a:schemeClr val="accent1"/>
+          </a:effectRef>
+          <a:fontRef idx="minor">
+            <a:schemeClr val="lt1"/>
+          </a:fontRef>
+        </p:style>
+        <p:txBody>
+          <a:bodyPr rtlCol="0" anchor="ctr"/>
+          <a:lstStyle/>
+          <a:p>
+            <a:pPr algn="ctr"/>
+            <a:endParaRPr lang="fr-FR"/>
+          </a:p>
+        </p:txBody>
+      </p:sp>
+      <p:cxnSp>
+        <p:nvCxnSpPr>
+          <p:cNvPr id="29" name="Straight Arrow Connector 28">
+            <a:extLst>
+              <a:ext uri="{FF2B5EF4-FFF2-40B4-BE49-F238E27FC236}">
+                <a16:creationId xmlns:a16="http://schemas.microsoft.com/office/drawing/2014/main" id="{D79168F4-73FB-415B-A7FC-F71745918FEA}"/>
+              </a:ext>
+            </a:extLst>
+          </p:cNvPr>
+          <p:cNvCxnSpPr/>
+          <p:nvPr/>
+        </p:nvCxnSpPr>
+        <p:spPr>
+          <a:xfrm flipV="1">
+            <a:off x="4642514" y="3628707"/>
+            <a:ext cx="208016" cy="554707"/>
+          </a:xfrm>
+          <a:prstGeom prst="straightConnector1">
+            <a:avLst/>
+          </a:prstGeom>
+          <a:ln w="76200">
+            <a:tailEnd type="triangle"/>
+          </a:ln>
+        </p:spPr>
+        <p:style>
+          <a:lnRef idx="1">
+            <a:schemeClr val="accent1"/>
+          </a:lnRef>
+          <a:fillRef idx="0">
+            <a:schemeClr val="accent1"/>
+          </a:fillRef>
+          <a:effectRef idx="0">
+            <a:schemeClr val="accent1"/>
+          </a:effectRef>
+          <a:fontRef idx="minor">
+            <a:schemeClr val="tx1"/>
+          </a:fontRef>
+        </p:style>
+      </p:cxnSp>
+      <p:cxnSp>
+        <p:nvCxnSpPr>
+          <p:cNvPr id="30" name="Straight Arrow Connector 29">
+            <a:extLst>
+              <a:ext uri="{FF2B5EF4-FFF2-40B4-BE49-F238E27FC236}">
+                <a16:creationId xmlns:a16="http://schemas.microsoft.com/office/drawing/2014/main" id="{E3FABE56-8A12-4669-A108-00A6E2E2068D}"/>
+              </a:ext>
+            </a:extLst>
+          </p:cNvPr>
+          <p:cNvCxnSpPr/>
+          <p:nvPr/>
+        </p:nvCxnSpPr>
+        <p:spPr>
+          <a:xfrm>
+            <a:off x="5292562" y="3650375"/>
+            <a:ext cx="208015" cy="567708"/>
+          </a:xfrm>
+          <a:prstGeom prst="straightConnector1">
+            <a:avLst/>
+          </a:prstGeom>
+          <a:ln w="76200">
+            <a:tailEnd type="triangle"/>
+          </a:ln>
+        </p:spPr>
+        <p:style>
+          <a:lnRef idx="1">
+            <a:schemeClr val="accent1"/>
+          </a:lnRef>
+          <a:fillRef idx="0">
+            <a:schemeClr val="accent1"/>
+          </a:fillRef>
+          <a:effectRef idx="0">
+            <a:schemeClr val="accent1"/>
+          </a:effectRef>
+          <a:fontRef idx="minor">
+            <a:schemeClr val="tx1"/>
+          </a:fontRef>
+        </p:style>
+      </p:cxnSp>
+      <p:sp>
+        <p:nvSpPr>
+          <p:cNvPr id="31" name="Rectangle 30">
+            <a:extLst>
+              <a:ext uri="{FF2B5EF4-FFF2-40B4-BE49-F238E27FC236}">
+                <a16:creationId xmlns:a16="http://schemas.microsoft.com/office/drawing/2014/main" id="{14E89C91-E06B-4FFA-9CF8-0B08EA65759C}"/>
+              </a:ext>
+            </a:extLst>
+          </p:cNvPr>
+          <p:cNvSpPr/>
+          <p:nvPr/>
+        </p:nvSpPr>
+        <p:spPr>
+          <a:xfrm>
+            <a:off x="5500577" y="4278754"/>
+            <a:ext cx="4251310" cy="424686"/>
+          </a:xfrm>
+          <a:prstGeom prst="rect">
+            <a:avLst/>
+          </a:prstGeom>
+        </p:spPr>
+        <p:style>
+          <a:lnRef idx="2">
+            <a:schemeClr val="accent1">
+              <a:shade val="50000"/>
+            </a:schemeClr>
+          </a:lnRef>
+          <a:fillRef idx="1">
+            <a:schemeClr val="accent1"/>
+          </a:fillRef>
+          <a:effectRef idx="0">
+            <a:schemeClr val="accent1"/>
+          </a:effectRef>
+          <a:fontRef idx="minor">
+            <a:schemeClr val="lt1"/>
+          </a:fontRef>
+        </p:style>
+        <p:txBody>
+          <a:bodyPr rtlCol="0" anchor="ctr"/>
+          <a:lstStyle/>
+          <a:p>
+            <a:pPr algn="ctr"/>
+            <a:endParaRPr lang="fr-FR"/>
+          </a:p>
+        </p:txBody>
+      </p:sp>
+      <p:cxnSp>
+        <p:nvCxnSpPr>
+          <p:cNvPr id="32" name="Straight Arrow Connector 31">
+            <a:extLst>
+              <a:ext uri="{FF2B5EF4-FFF2-40B4-BE49-F238E27FC236}">
+                <a16:creationId xmlns:a16="http://schemas.microsoft.com/office/drawing/2014/main" id="{1776F167-C90C-44A6-B355-5A5C70B85AF1}"/>
+              </a:ext>
+            </a:extLst>
+          </p:cNvPr>
+          <p:cNvCxnSpPr/>
+          <p:nvPr/>
+        </p:nvCxnSpPr>
+        <p:spPr>
+          <a:xfrm flipV="1">
+            <a:off x="9617544" y="3724047"/>
+            <a:ext cx="78006" cy="494036"/>
+          </a:xfrm>
+          <a:prstGeom prst="straightConnector1">
+            <a:avLst/>
+          </a:prstGeom>
+          <a:ln w="76200">
+            <a:tailEnd type="triangle"/>
+          </a:ln>
+        </p:spPr>
+        <p:style>
+          <a:lnRef idx="1">
+            <a:schemeClr val="accent1"/>
+          </a:lnRef>
+          <a:fillRef idx="0">
+            <a:schemeClr val="accent1"/>
+          </a:fillRef>
+          <a:effectRef idx="0">
+            <a:schemeClr val="accent1"/>
+          </a:effectRef>
+          <a:fontRef idx="minor">
+            <a:schemeClr val="tx1"/>
+          </a:fontRef>
+        </p:style>
+      </p:cxnSp>
+      <p:sp>
+        <p:nvSpPr>
+          <p:cNvPr id="33" name="TextBox 32">
+            <a:extLst>
+              <a:ext uri="{FF2B5EF4-FFF2-40B4-BE49-F238E27FC236}">
+                <a16:creationId xmlns:a16="http://schemas.microsoft.com/office/drawing/2014/main" id="{671775FF-E7EB-4138-861A-F89C78C03543}"/>
+              </a:ext>
+            </a:extLst>
+          </p:cNvPr>
+          <p:cNvSpPr txBox="1"/>
+          <p:nvPr/>
+        </p:nvSpPr>
+        <p:spPr>
+          <a:xfrm>
+            <a:off x="10770295" y="4084465"/>
+            <a:ext cx="803425" cy="369332"/>
+          </a:xfrm>
+          <a:prstGeom prst="rect">
+            <a:avLst/>
+          </a:prstGeom>
+          <a:noFill/>
+        </p:spPr>
+        <p:txBody>
+          <a:bodyPr wrap="none" rtlCol="0">
+            <a:spAutoFit/>
+          </a:bodyPr>
+          <a:lstStyle/>
+          <a:p>
+            <a:r>
+              <a:rPr lang="fr-FR" dirty="0" err="1"/>
+              <a:t>CtrlDD</a:t>
+            </a:r>
+            <a:endParaRPr lang="fr-FR" dirty="0"/>
+          </a:p>
+        </p:txBody>
+      </p:sp>
+      <p:sp>
+        <p:nvSpPr>
+          <p:cNvPr id="34" name="Rectangle 33">
+            <a:extLst>
+              <a:ext uri="{FF2B5EF4-FFF2-40B4-BE49-F238E27FC236}">
+                <a16:creationId xmlns:a16="http://schemas.microsoft.com/office/drawing/2014/main" id="{6614C833-36E9-4DB8-B9C7-B7B840E2479A}"/>
+              </a:ext>
+            </a:extLst>
+          </p:cNvPr>
+          <p:cNvSpPr/>
+          <p:nvPr/>
+        </p:nvSpPr>
+        <p:spPr>
+          <a:xfrm>
+            <a:off x="5011597" y="3180660"/>
+            <a:ext cx="141834" cy="424696"/>
+          </a:xfrm>
+          <a:prstGeom prst="rect">
+            <a:avLst/>
+          </a:prstGeom>
+        </p:spPr>
+        <p:style>
+          <a:lnRef idx="2">
+            <a:schemeClr val="accent6">
+              <a:shade val="50000"/>
+            </a:schemeClr>
+          </a:lnRef>
+          <a:fillRef idx="1">
+            <a:schemeClr val="accent6"/>
+          </a:fillRef>
+          <a:effectRef idx="0">
+            <a:schemeClr val="accent6"/>
+          </a:effectRef>
+          <a:fontRef idx="minor">
+            <a:schemeClr val="lt1"/>
+          </a:fontRef>
+        </p:style>
+        <p:txBody>
+          <a:bodyPr rtlCol="0" anchor="ctr"/>
+          <a:lstStyle/>
+          <a:p>
+            <a:pPr algn="ctr"/>
+            <a:endParaRPr lang="fr-FR"/>
+          </a:p>
+        </p:txBody>
+      </p:sp>
+      <p:sp>
+        <p:nvSpPr>
+          <p:cNvPr id="35" name="Rectangle 34">
+            <a:extLst>
+              <a:ext uri="{FF2B5EF4-FFF2-40B4-BE49-F238E27FC236}">
+                <a16:creationId xmlns:a16="http://schemas.microsoft.com/office/drawing/2014/main" id="{6E4E29A4-92E6-4475-9F91-A46A1EF4737B}"/>
+              </a:ext>
+            </a:extLst>
+          </p:cNvPr>
+          <p:cNvSpPr/>
+          <p:nvPr/>
+        </p:nvSpPr>
+        <p:spPr>
+          <a:xfrm>
+            <a:off x="9764888" y="3152006"/>
+            <a:ext cx="141834" cy="424696"/>
+          </a:xfrm>
+          <a:prstGeom prst="rect">
+            <a:avLst/>
+          </a:prstGeom>
+        </p:spPr>
+        <p:style>
+          <a:lnRef idx="2">
+            <a:schemeClr val="accent6">
+              <a:shade val="50000"/>
+            </a:schemeClr>
+          </a:lnRef>
+          <a:fillRef idx="1">
+            <a:schemeClr val="accent6"/>
+          </a:fillRef>
+          <a:effectRef idx="0">
+            <a:schemeClr val="accent6"/>
+          </a:effectRef>
+          <a:fontRef idx="minor">
+            <a:schemeClr val="lt1"/>
+          </a:fontRef>
+        </p:style>
+        <p:txBody>
+          <a:bodyPr rtlCol="0" anchor="ctr"/>
+          <a:lstStyle/>
+          <a:p>
+            <a:pPr algn="ctr"/>
+            <a:endParaRPr lang="fr-FR"/>
+          </a:p>
+        </p:txBody>
+      </p:sp>
+    </p:spTree>
+    <p:extLst>
+      <p:ext uri="{BB962C8B-B14F-4D97-AF65-F5344CB8AC3E}">
+        <p14:creationId xmlns:p14="http://schemas.microsoft.com/office/powerpoint/2010/main" val="1511155951"/>
+      </p:ext>
+    </p:extLst>
+  </p:cSld>
+  <p:clrMapOvr>
+    <a:masterClrMapping/>
+  </p:clrMapOvr>
+</p:sld>
+</file>
+
+<file path=ppt/slides/slide13.xml><?xml version="1.0" encoding="utf-8"?>
+<p:sld xmlns:a="http://schemas.openxmlformats.org/drawingml/2006/main" xmlns:r="http://schemas.openxmlformats.org/officeDocument/2006/relationships" xmlns:p="http://schemas.openxmlformats.org/presentationml/2006/main">
+  <p:cSld>
+    <p:spTree>
+      <p:nvGrpSpPr>
+        <p:cNvPr id="1" name=""/>
+        <p:cNvGrpSpPr/>
+        <p:nvPr/>
+      </p:nvGrpSpPr>
+      <p:grpSpPr>
+        <a:xfrm>
+          <a:off x="0" y="0"/>
+          <a:ext cx="0" cy="0"/>
+          <a:chOff x="0" y="0"/>
+          <a:chExt cx="0" cy="0"/>
+        </a:xfrm>
+      </p:grpSpPr>
+      <p:sp>
+        <p:nvSpPr>
+          <p:cNvPr id="2" name="Title 1">
+            <a:extLst>
+              <a:ext uri="{FF2B5EF4-FFF2-40B4-BE49-F238E27FC236}">
+                <a16:creationId xmlns:a16="http://schemas.microsoft.com/office/drawing/2014/main" id="{96268FE1-31EA-44B3-8F96-55ABC1355A7C}"/>
+              </a:ext>
+            </a:extLst>
+          </p:cNvPr>
+          <p:cNvSpPr>
+            <a:spLocks noGrp="1"/>
+          </p:cNvSpPr>
+          <p:nvPr>
+            <p:ph type="title"/>
+          </p:nvPr>
+        </p:nvSpPr>
+        <p:spPr/>
+        <p:txBody>
+          <a:bodyPr/>
+          <a:lstStyle/>
+          <a:p>
+            <a:r>
+              <a:rPr lang="fr-FR" dirty="0"/>
+              <a:t>CSS</a:t>
+            </a:r>
+          </a:p>
+        </p:txBody>
+      </p:sp>
+      <p:sp>
+        <p:nvSpPr>
+          <p:cNvPr id="3" name="Content Placeholder 2">
+            <a:extLst>
+              <a:ext uri="{FF2B5EF4-FFF2-40B4-BE49-F238E27FC236}">
+                <a16:creationId xmlns:a16="http://schemas.microsoft.com/office/drawing/2014/main" id="{4F11E6F9-0C62-45B0-B749-1E8FADE38479}"/>
+              </a:ext>
+            </a:extLst>
+          </p:cNvPr>
+          <p:cNvSpPr>
+            <a:spLocks noGrp="1"/>
+          </p:cNvSpPr>
+          <p:nvPr>
+            <p:ph idx="1"/>
+          </p:nvPr>
+        </p:nvSpPr>
+        <p:spPr/>
+        <p:txBody>
+          <a:bodyPr/>
+          <a:lstStyle/>
+          <a:p>
+            <a:r>
+              <a:rPr lang="fr-FR" dirty="0" err="1"/>
+              <a:t>Modele</a:t>
+            </a:r>
+            <a:r>
+              <a:rPr lang="fr-FR" dirty="0"/>
+              <a:t> </a:t>
+            </a:r>
+            <a:r>
+              <a:rPr lang="fr-FR" dirty="0" err="1"/>
+              <a:t>flex</a:t>
+            </a:r>
+            <a:r>
+              <a:rPr lang="fr-FR" dirty="0"/>
+              <a:t> (google </a:t>
+            </a:r>
+            <a:r>
+              <a:rPr lang="fr-FR" dirty="0" err="1"/>
+              <a:t>css</a:t>
+            </a:r>
+            <a:r>
+              <a:rPr lang="fr-FR" dirty="0"/>
+              <a:t> </a:t>
+            </a:r>
+            <a:r>
+              <a:rPr lang="fr-FR" dirty="0" err="1"/>
+              <a:t>flex</a:t>
+            </a:r>
+            <a:r>
+              <a:rPr lang="fr-FR" dirty="0"/>
+              <a:t>)</a:t>
+            </a:r>
+          </a:p>
+          <a:p>
+            <a:r>
+              <a:rPr lang="fr-FR" dirty="0" err="1"/>
+              <a:t>Modele</a:t>
+            </a:r>
+            <a:r>
+              <a:rPr lang="fr-FR" dirty="0"/>
+              <a:t> </a:t>
+            </a:r>
+            <a:r>
+              <a:rPr lang="fr-FR" dirty="0" err="1"/>
+              <a:t>grid</a:t>
+            </a:r>
+            <a:r>
+              <a:rPr lang="fr-FR" dirty="0"/>
+              <a:t> (google </a:t>
+            </a:r>
+            <a:r>
+              <a:rPr lang="fr-FR" dirty="0" err="1"/>
+              <a:t>css</a:t>
+            </a:r>
+            <a:r>
+              <a:rPr lang="fr-FR" dirty="0"/>
+              <a:t> </a:t>
+            </a:r>
+            <a:r>
+              <a:rPr lang="fr-FR" dirty="0" err="1"/>
+              <a:t>grid</a:t>
+            </a:r>
+            <a:r>
+              <a:rPr lang="fr-FR" dirty="0"/>
+              <a:t>)</a:t>
+            </a:r>
+          </a:p>
+          <a:p>
+            <a:r>
+              <a:rPr lang="fr-FR" dirty="0"/>
+              <a:t>Penser aux jeux (</a:t>
+            </a:r>
+            <a:r>
+              <a:rPr lang="fr-FR" dirty="0" err="1"/>
+              <a:t>css</a:t>
+            </a:r>
+            <a:r>
+              <a:rPr lang="fr-FR" dirty="0"/>
+              <a:t> </a:t>
+            </a:r>
+            <a:r>
+              <a:rPr lang="fr-FR" dirty="0" err="1"/>
+              <a:t>flex</a:t>
+            </a:r>
+            <a:r>
+              <a:rPr lang="fr-FR" dirty="0"/>
+              <a:t> </a:t>
+            </a:r>
+            <a:r>
+              <a:rPr lang="fr-FR" dirty="0" err="1"/>
+              <a:t>game</a:t>
+            </a:r>
+            <a:r>
+              <a:rPr lang="fr-FR" dirty="0"/>
+              <a:t>, </a:t>
+            </a:r>
+            <a:r>
+              <a:rPr lang="fr-FR" dirty="0" err="1"/>
+              <a:t>css</a:t>
+            </a:r>
+            <a:r>
+              <a:rPr lang="fr-FR" dirty="0"/>
+              <a:t> </a:t>
+            </a:r>
+            <a:r>
+              <a:rPr lang="fr-FR" dirty="0" err="1"/>
+              <a:t>grid</a:t>
+            </a:r>
+            <a:r>
+              <a:rPr lang="fr-FR" dirty="0"/>
+              <a:t> </a:t>
+            </a:r>
+            <a:r>
+              <a:rPr lang="fr-FR" dirty="0" err="1"/>
+              <a:t>game</a:t>
+            </a:r>
+            <a:r>
+              <a:rPr lang="fr-FR" dirty="0"/>
+              <a:t>)</a:t>
+            </a:r>
+          </a:p>
+        </p:txBody>
+      </p:sp>
+    </p:spTree>
+    <p:extLst>
+      <p:ext uri="{BB962C8B-B14F-4D97-AF65-F5344CB8AC3E}">
+        <p14:creationId xmlns:p14="http://schemas.microsoft.com/office/powerpoint/2010/main" val="3224946492"/>
+      </p:ext>
+    </p:extLst>
+  </p:cSld>
+  <p:clrMapOvr>
+    <a:masterClrMapping/>
+  </p:clrMapOvr>
+</p:sld>
+</file>
+
+<file path=ppt/slides/slide14.xml><?xml version="1.0" encoding="utf-8"?>
+<p:sld xmlns:a="http://schemas.openxmlformats.org/drawingml/2006/main" xmlns:r="http://schemas.openxmlformats.org/officeDocument/2006/relationships" xmlns:p="http://schemas.openxmlformats.org/presentationml/2006/main">
+  <p:cSld>
+    <p:spTree>
+      <p:nvGrpSpPr>
+        <p:cNvPr id="1" name=""/>
+        <p:cNvGrpSpPr/>
+        <p:nvPr/>
+      </p:nvGrpSpPr>
+      <p:grpSpPr>
+        <a:xfrm>
+          <a:off x="0" y="0"/>
+          <a:ext cx="0" cy="0"/>
+          <a:chOff x="0" y="0"/>
+          <a:chExt cx="0" cy="0"/>
+        </a:xfrm>
+      </p:grpSpPr>
+      <p:sp>
+        <p:nvSpPr>
+          <p:cNvPr id="2" name="Title 1">
+            <a:extLst>
+              <a:ext uri="{FF2B5EF4-FFF2-40B4-BE49-F238E27FC236}">
+                <a16:creationId xmlns:a16="http://schemas.microsoft.com/office/drawing/2014/main" id="{67CC897E-7AC1-468A-89D3-8E1137007750}"/>
+              </a:ext>
+            </a:extLst>
+          </p:cNvPr>
+          <p:cNvSpPr>
+            <a:spLocks noGrp="1"/>
+          </p:cNvSpPr>
+          <p:nvPr>
+            <p:ph type="title"/>
+          </p:nvPr>
+        </p:nvSpPr>
+        <p:spPr/>
+        <p:txBody>
+          <a:bodyPr/>
+          <a:lstStyle/>
+          <a:p>
+            <a:r>
+              <a:rPr lang="fr-FR" dirty="0" err="1"/>
+              <a:t>tsconfig.json</a:t>
+            </a:r>
+            <a:endParaRPr lang="fr-FR" dirty="0"/>
+          </a:p>
+        </p:txBody>
+      </p:sp>
+      <p:sp>
+        <p:nvSpPr>
+          <p:cNvPr id="3" name="Content Placeholder 2">
+            <a:extLst>
+              <a:ext uri="{FF2B5EF4-FFF2-40B4-BE49-F238E27FC236}">
+                <a16:creationId xmlns:a16="http://schemas.microsoft.com/office/drawing/2014/main" id="{D337B9E6-85BE-4FEC-B8C4-DA10EF623AF7}"/>
+              </a:ext>
+            </a:extLst>
+          </p:cNvPr>
+          <p:cNvSpPr>
+            <a:spLocks noGrp="1"/>
+          </p:cNvSpPr>
+          <p:nvPr>
+            <p:ph idx="1"/>
+          </p:nvPr>
+        </p:nvSpPr>
+        <p:spPr/>
+        <p:txBody>
+          <a:bodyPr/>
+          <a:lstStyle/>
+          <a:p>
+            <a:r>
+              <a:rPr lang="fr-FR" dirty="0"/>
+              <a:t>peut se </a:t>
+            </a:r>
+            <a:r>
+              <a:rPr lang="fr-FR" dirty="0" err="1"/>
+              <a:t>generer</a:t>
+            </a:r>
+            <a:r>
+              <a:rPr lang="fr-FR" dirty="0"/>
+              <a:t> avec : </a:t>
+            </a:r>
+            <a:r>
+              <a:rPr lang="fr-FR" dirty="0" err="1"/>
+              <a:t>npx</a:t>
+            </a:r>
+            <a:r>
+              <a:rPr lang="fr-FR" dirty="0"/>
+              <a:t> </a:t>
+            </a:r>
+            <a:r>
+              <a:rPr lang="fr-FR" dirty="0" err="1"/>
+              <a:t>tsc</a:t>
+            </a:r>
+            <a:r>
+              <a:rPr lang="fr-FR" dirty="0"/>
+              <a:t> –init</a:t>
+            </a:r>
+          </a:p>
+          <a:p>
+            <a:endParaRPr lang="fr-FR" dirty="0"/>
+          </a:p>
+        </p:txBody>
+      </p:sp>
+    </p:spTree>
+    <p:extLst>
+      <p:ext uri="{BB962C8B-B14F-4D97-AF65-F5344CB8AC3E}">
+        <p14:creationId xmlns:p14="http://schemas.microsoft.com/office/powerpoint/2010/main" val="397157852"/>
+      </p:ext>
+    </p:extLst>
+  </p:cSld>
+  <p:clrMapOvr>
+    <a:masterClrMapping/>
+  </p:clrMapOvr>
+</p:sld>
+</file>
+
+<file path=ppt/slides/slide15.xml><?xml version="1.0" encoding="utf-8"?>
+<p:sld xmlns:a="http://schemas.openxmlformats.org/drawingml/2006/main" xmlns:r="http://schemas.openxmlformats.org/officeDocument/2006/relationships" xmlns:p="http://schemas.openxmlformats.org/presentationml/2006/main">
+  <p:cSld>
+    <p:spTree>
+      <p:nvGrpSpPr>
+        <p:cNvPr id="1" name=""/>
+        <p:cNvGrpSpPr/>
+        <p:nvPr/>
+      </p:nvGrpSpPr>
+      <p:grpSpPr>
+        <a:xfrm>
+          <a:off x="0" y="0"/>
+          <a:ext cx="0" cy="0"/>
+          <a:chOff x="0" y="0"/>
+          <a:chExt cx="0" cy="0"/>
+        </a:xfrm>
+      </p:grpSpPr>
+      <p:sp>
+        <p:nvSpPr>
+          <p:cNvPr id="2" name="Title 1">
+            <a:extLst>
+              <a:ext uri="{FF2B5EF4-FFF2-40B4-BE49-F238E27FC236}">
+                <a16:creationId xmlns:a16="http://schemas.microsoft.com/office/drawing/2014/main" id="{2A8B8FF9-1EF9-40B8-9E70-8FA7A955453F}"/>
+              </a:ext>
+            </a:extLst>
+          </p:cNvPr>
+          <p:cNvSpPr>
+            <a:spLocks noGrp="1"/>
+          </p:cNvSpPr>
+          <p:nvPr>
+            <p:ph type="title"/>
+          </p:nvPr>
+        </p:nvSpPr>
+        <p:spPr/>
+        <p:txBody>
+          <a:bodyPr/>
+          <a:lstStyle/>
+          <a:p>
+            <a:r>
+              <a:rPr lang="fr-FR" dirty="0"/>
+              <a:t>javascript</a:t>
+            </a:r>
+          </a:p>
+        </p:txBody>
+      </p:sp>
+      <p:sp>
+        <p:nvSpPr>
+          <p:cNvPr id="3" name="Content Placeholder 2">
+            <a:extLst>
+              <a:ext uri="{FF2B5EF4-FFF2-40B4-BE49-F238E27FC236}">
+                <a16:creationId xmlns:a16="http://schemas.microsoft.com/office/drawing/2014/main" id="{8A8690BB-E18B-4999-9AE0-690EBAD5F2DE}"/>
+              </a:ext>
+            </a:extLst>
+          </p:cNvPr>
+          <p:cNvSpPr>
+            <a:spLocks noGrp="1"/>
+          </p:cNvSpPr>
+          <p:nvPr>
+            <p:ph idx="1"/>
+          </p:nvPr>
+        </p:nvSpPr>
+        <p:spPr/>
+        <p:txBody>
+          <a:bodyPr/>
+          <a:lstStyle/>
+          <a:p>
+            <a:r>
+              <a:rPr lang="fr-FR" dirty="0" err="1"/>
+              <a:t>boolean</a:t>
+            </a:r>
+            <a:endParaRPr lang="fr-FR" dirty="0"/>
+          </a:p>
+          <a:p>
+            <a:r>
+              <a:rPr lang="fr-FR" dirty="0" err="1"/>
+              <a:t>number</a:t>
+            </a:r>
+            <a:endParaRPr lang="fr-FR" dirty="0"/>
+          </a:p>
+          <a:p>
+            <a:r>
+              <a:rPr lang="fr-FR" dirty="0" err="1"/>
+              <a:t>undefined</a:t>
+            </a:r>
+            <a:endParaRPr lang="fr-FR" dirty="0"/>
+          </a:p>
+          <a:p>
+            <a:r>
+              <a:rPr lang="fr-FR" dirty="0"/>
+              <a:t>string</a:t>
+            </a:r>
+          </a:p>
+          <a:p>
+            <a:r>
+              <a:rPr lang="fr-FR" dirty="0" err="1"/>
+              <a:t>object</a:t>
+            </a:r>
+            <a:endParaRPr lang="fr-FR" dirty="0"/>
+          </a:p>
+          <a:p>
+            <a:r>
+              <a:rPr lang="fr-FR" dirty="0" err="1"/>
+              <a:t>function</a:t>
+            </a:r>
+            <a:endParaRPr lang="fr-FR" dirty="0"/>
+          </a:p>
+          <a:p>
+            <a:r>
+              <a:rPr lang="fr-FR" dirty="0" err="1"/>
+              <a:t>symbol</a:t>
+            </a:r>
+            <a:endParaRPr lang="fr-FR" dirty="0"/>
+          </a:p>
+        </p:txBody>
+      </p:sp>
+    </p:spTree>
+    <p:extLst>
+      <p:ext uri="{BB962C8B-B14F-4D97-AF65-F5344CB8AC3E}">
+        <p14:creationId xmlns:p14="http://schemas.microsoft.com/office/powerpoint/2010/main" val="3318700507"/>
+      </p:ext>
+    </p:extLst>
+  </p:cSld>
+  <p:clrMapOvr>
+    <a:masterClrMapping/>
+  </p:clrMapOvr>
+</p:sld>
+</file>
+
+<file path=ppt/slides/slide16.xml><?xml version="1.0" encoding="utf-8"?>
+<p:sld xmlns:a="http://schemas.openxmlformats.org/drawingml/2006/main" xmlns:r="http://schemas.openxmlformats.org/officeDocument/2006/relationships" xmlns:p="http://schemas.openxmlformats.org/presentationml/2006/main">
+  <p:cSld>
+    <p:spTree>
+      <p:nvGrpSpPr>
+        <p:cNvPr id="1" name=""/>
+        <p:cNvGrpSpPr/>
+        <p:nvPr/>
+      </p:nvGrpSpPr>
+      <p:grpSpPr>
+        <a:xfrm>
+          <a:off x="0" y="0"/>
+          <a:ext cx="0" cy="0"/>
+          <a:chOff x="0" y="0"/>
+          <a:chExt cx="0" cy="0"/>
+        </a:xfrm>
+      </p:grpSpPr>
+      <p:sp>
+        <p:nvSpPr>
+          <p:cNvPr id="2" name="Title 1">
+            <a:extLst>
+              <a:ext uri="{FF2B5EF4-FFF2-40B4-BE49-F238E27FC236}">
+                <a16:creationId xmlns:a16="http://schemas.microsoft.com/office/drawing/2014/main" id="{C49C6574-C739-41FF-97B2-6A149296A2BC}"/>
+              </a:ext>
+            </a:extLst>
+          </p:cNvPr>
+          <p:cNvSpPr>
+            <a:spLocks noGrp="1"/>
+          </p:cNvSpPr>
+          <p:nvPr>
+            <p:ph type="title"/>
+          </p:nvPr>
+        </p:nvSpPr>
+        <p:spPr/>
+        <p:txBody>
+          <a:bodyPr/>
+          <a:lstStyle/>
+          <a:p>
+            <a:r>
+              <a:rPr lang="fr-FR" dirty="0"/>
+              <a:t>type particulier</a:t>
+            </a:r>
+          </a:p>
+        </p:txBody>
+      </p:sp>
+      <p:sp>
+        <p:nvSpPr>
+          <p:cNvPr id="3" name="Content Placeholder 2">
+            <a:extLst>
+              <a:ext uri="{FF2B5EF4-FFF2-40B4-BE49-F238E27FC236}">
+                <a16:creationId xmlns:a16="http://schemas.microsoft.com/office/drawing/2014/main" id="{58CC61C0-DD56-4694-91D1-E636E81C2757}"/>
+              </a:ext>
+            </a:extLst>
+          </p:cNvPr>
+          <p:cNvSpPr>
+            <a:spLocks noGrp="1"/>
+          </p:cNvSpPr>
+          <p:nvPr>
+            <p:ph idx="1"/>
+          </p:nvPr>
+        </p:nvSpPr>
+        <p:spPr/>
+        <p:txBody>
+          <a:bodyPr/>
+          <a:lstStyle/>
+          <a:p>
+            <a:r>
+              <a:rPr lang="fr-FR" dirty="0" err="1"/>
+              <a:t>any</a:t>
+            </a:r>
+            <a:endParaRPr lang="fr-FR" dirty="0"/>
+          </a:p>
+          <a:p>
+            <a:r>
+              <a:rPr lang="fr-FR" dirty="0" err="1"/>
+              <a:t>unknown</a:t>
+            </a:r>
+            <a:endParaRPr lang="fr-FR" dirty="0"/>
+          </a:p>
+          <a:p>
+            <a:r>
+              <a:rPr lang="fr-FR" dirty="0" err="1"/>
+              <a:t>void</a:t>
+            </a:r>
+            <a:endParaRPr lang="fr-FR" dirty="0"/>
+          </a:p>
+          <a:p>
+            <a:r>
+              <a:rPr lang="fr-FR" dirty="0" err="1"/>
+              <a:t>never</a:t>
+            </a:r>
+            <a:endParaRPr lang="fr-FR" dirty="0"/>
+          </a:p>
+          <a:p>
+            <a:endParaRPr lang="fr-FR" dirty="0"/>
+          </a:p>
+        </p:txBody>
+      </p:sp>
+    </p:spTree>
+    <p:extLst>
+      <p:ext uri="{BB962C8B-B14F-4D97-AF65-F5344CB8AC3E}">
+        <p14:creationId xmlns:p14="http://schemas.microsoft.com/office/powerpoint/2010/main" val="2534869519"/>
+      </p:ext>
+    </p:extLst>
+  </p:cSld>
+  <p:clrMapOvr>
+    <a:masterClrMapping/>
+  </p:clrMapOvr>
+</p:sld>
+</file>
+
+<file path=ppt/slides/slide17.xml><?xml version="1.0" encoding="utf-8"?>
+<p:sld xmlns:a="http://schemas.openxmlformats.org/drawingml/2006/main" xmlns:r="http://schemas.openxmlformats.org/officeDocument/2006/relationships" xmlns:p="http://schemas.openxmlformats.org/presentationml/2006/main">
+  <p:cSld>
+    <p:spTree>
+      <p:nvGrpSpPr>
+        <p:cNvPr id="1" name=""/>
+        <p:cNvGrpSpPr/>
+        <p:nvPr/>
+      </p:nvGrpSpPr>
+      <p:grpSpPr>
+        <a:xfrm>
+          <a:off x="0" y="0"/>
+          <a:ext cx="0" cy="0"/>
+          <a:chOff x="0" y="0"/>
+          <a:chExt cx="0" cy="0"/>
+        </a:xfrm>
+      </p:grpSpPr>
+      <p:sp>
+        <p:nvSpPr>
+          <p:cNvPr id="2" name="Title 1">
+            <a:extLst>
+              <a:ext uri="{FF2B5EF4-FFF2-40B4-BE49-F238E27FC236}">
+                <a16:creationId xmlns:a16="http://schemas.microsoft.com/office/drawing/2014/main" id="{0330F867-03DD-4582-9BBF-AE771A5EA3D7}"/>
+              </a:ext>
+            </a:extLst>
+          </p:cNvPr>
+          <p:cNvSpPr>
+            <a:spLocks noGrp="1"/>
+          </p:cNvSpPr>
+          <p:nvPr>
+            <p:ph type="title"/>
+          </p:nvPr>
+        </p:nvSpPr>
+        <p:spPr/>
+        <p:txBody>
+          <a:bodyPr/>
+          <a:lstStyle/>
+          <a:p>
+            <a:r>
+              <a:rPr lang="fr-FR" dirty="0"/>
+              <a:t>Documentation</a:t>
+            </a:r>
+          </a:p>
+        </p:txBody>
+      </p:sp>
+      <p:sp>
+        <p:nvSpPr>
+          <p:cNvPr id="3" name="Content Placeholder 2">
+            <a:extLst>
+              <a:ext uri="{FF2B5EF4-FFF2-40B4-BE49-F238E27FC236}">
+                <a16:creationId xmlns:a16="http://schemas.microsoft.com/office/drawing/2014/main" id="{B0D6E67D-038D-4171-A0BD-BF512D5E0531}"/>
+              </a:ext>
+            </a:extLst>
+          </p:cNvPr>
+          <p:cNvSpPr>
+            <a:spLocks noGrp="1"/>
+          </p:cNvSpPr>
+          <p:nvPr>
+            <p:ph idx="1"/>
+          </p:nvPr>
+        </p:nvSpPr>
+        <p:spPr/>
+        <p:txBody>
+          <a:bodyPr/>
+          <a:lstStyle/>
+          <a:p>
+            <a:r>
+              <a:rPr lang="fr-FR" dirty="0" err="1"/>
+              <a:t>typedoc</a:t>
+            </a:r>
+            <a:endParaRPr lang="fr-FR" dirty="0"/>
+          </a:p>
+        </p:txBody>
+      </p:sp>
+    </p:spTree>
+    <p:extLst>
+      <p:ext uri="{BB962C8B-B14F-4D97-AF65-F5344CB8AC3E}">
+        <p14:creationId xmlns:p14="http://schemas.microsoft.com/office/powerpoint/2010/main" val="198023898"/>
+      </p:ext>
+    </p:extLst>
+  </p:cSld>
+  <p:clrMapOvr>
+    <a:masterClrMapping/>
+  </p:clrMapOvr>
+</p:sld>
+</file>
+
 <file path=ppt/slides/slide2.xml><?xml version="1.0" encoding="utf-8"?>
 <p:sld xmlns:a="http://schemas.openxmlformats.org/drawingml/2006/main" xmlns:r="http://schemas.openxmlformats.org/officeDocument/2006/relationships" xmlns:p="http://schemas.openxmlformats.org/presentationml/2006/main">
   <p:cSld>
@@ -4241,6 +8280,41 @@
             <a:r>
               <a:rPr lang="fr-FR" dirty="0"/>
               <a:t> Lens</a:t>
+            </a:r>
+          </a:p>
+          <a:p>
+            <a:r>
+              <a:rPr lang="fr-FR" dirty="0" err="1"/>
+              <a:t>Typescript</a:t>
+            </a:r>
+            <a:r>
+              <a:rPr lang="fr-FR" dirty="0"/>
+              <a:t> Class </a:t>
+            </a:r>
+            <a:r>
+              <a:rPr lang="fr-FR" dirty="0" err="1"/>
+              <a:t>Organizer</a:t>
+            </a:r>
+            <a:endParaRPr lang="fr-FR" dirty="0"/>
+          </a:p>
+          <a:p>
+            <a:r>
+              <a:rPr lang="fr-FR" dirty="0" err="1"/>
+              <a:t>ESLint</a:t>
+            </a:r>
+            <a:endParaRPr lang="fr-FR" dirty="0"/>
+          </a:p>
+          <a:p>
+            <a:r>
+              <a:rPr lang="fr-FR" dirty="0" err="1"/>
+              <a:t>SonarLint</a:t>
+            </a:r>
+            <a:endParaRPr lang="fr-FR" dirty="0"/>
+          </a:p>
+          <a:p>
+            <a:r>
+              <a:rPr lang="fr-FR" dirty="0"/>
+              <a:t>Document This</a:t>
             </a:r>
           </a:p>
         </p:txBody>
@@ -5267,6 +9341,256 @@
     <p:extLst>
       <p:ext uri="{BB962C8B-B14F-4D97-AF65-F5344CB8AC3E}">
         <p14:creationId xmlns:p14="http://schemas.microsoft.com/office/powerpoint/2010/main" val="1609013043"/>
+      </p:ext>
+    </p:extLst>
+  </p:cSld>
+  <p:clrMapOvr>
+    <a:masterClrMapping/>
+  </p:clrMapOvr>
+</p:sld>
+</file>
+
+<file path=ppt/slides/slide8.xml><?xml version="1.0" encoding="utf-8"?>
+<p:sld xmlns:a="http://schemas.openxmlformats.org/drawingml/2006/main" xmlns:r="http://schemas.openxmlformats.org/officeDocument/2006/relationships" xmlns:p="http://schemas.openxmlformats.org/presentationml/2006/main">
+  <p:cSld>
+    <p:spTree>
+      <p:nvGrpSpPr>
+        <p:cNvPr id="1" name=""/>
+        <p:cNvGrpSpPr/>
+        <p:nvPr/>
+      </p:nvGrpSpPr>
+      <p:grpSpPr>
+        <a:xfrm>
+          <a:off x="0" y="0"/>
+          <a:ext cx="0" cy="0"/>
+          <a:chOff x="0" y="0"/>
+          <a:chExt cx="0" cy="0"/>
+        </a:xfrm>
+      </p:grpSpPr>
+      <p:sp>
+        <p:nvSpPr>
+          <p:cNvPr id="2" name="Title 1">
+            <a:extLst>
+              <a:ext uri="{FF2B5EF4-FFF2-40B4-BE49-F238E27FC236}">
+                <a16:creationId xmlns:a16="http://schemas.microsoft.com/office/drawing/2014/main" id="{01269A43-16A9-4026-8653-CBA2AEF83291}"/>
+              </a:ext>
+            </a:extLst>
+          </p:cNvPr>
+          <p:cNvSpPr>
+            <a:spLocks noGrp="1"/>
+          </p:cNvSpPr>
+          <p:nvPr>
+            <p:ph type="title"/>
+          </p:nvPr>
+        </p:nvSpPr>
+        <p:spPr/>
+        <p:txBody>
+          <a:bodyPr/>
+          <a:lstStyle/>
+          <a:p>
+            <a:r>
+              <a:rPr lang="fr-FR" dirty="0"/>
+              <a:t>Webographie</a:t>
+            </a:r>
+          </a:p>
+        </p:txBody>
+      </p:sp>
+      <p:sp>
+        <p:nvSpPr>
+          <p:cNvPr id="3" name="Content Placeholder 2">
+            <a:extLst>
+              <a:ext uri="{FF2B5EF4-FFF2-40B4-BE49-F238E27FC236}">
+                <a16:creationId xmlns:a16="http://schemas.microsoft.com/office/drawing/2014/main" id="{D9F69B66-BAE5-4D4D-B425-6C8A3DBF0919}"/>
+              </a:ext>
+            </a:extLst>
+          </p:cNvPr>
+          <p:cNvSpPr>
+            <a:spLocks noGrp="1"/>
+          </p:cNvSpPr>
+          <p:nvPr>
+            <p:ph idx="1"/>
+          </p:nvPr>
+        </p:nvSpPr>
+        <p:spPr/>
+        <p:txBody>
+          <a:bodyPr/>
+          <a:lstStyle/>
+          <a:p>
+            <a:r>
+              <a:rPr lang="fr-FR" dirty="0">
+                <a:hlinkClick r:id="rId2"/>
+              </a:rPr>
+              <a:t>https://www.youtube.com/watch?v=-X49VQgi86E</a:t>
+            </a:r>
+            <a:endParaRPr lang="fr-FR" dirty="0"/>
+          </a:p>
+          <a:p>
+            <a:r>
+              <a:rPr lang="fr-FR" dirty="0">
+                <a:hlinkClick r:id="rId3"/>
+              </a:rPr>
+              <a:t>https://caniuse.com/</a:t>
+            </a:r>
+            <a:endParaRPr lang="fr-FR" dirty="0"/>
+          </a:p>
+          <a:p>
+            <a:r>
+              <a:rPr lang="fr-FR" dirty="0">
+                <a:hlinkClick r:id="rId4"/>
+              </a:rPr>
+              <a:t>https://www.conventionalcommits.org/en/v1.0.0/</a:t>
+            </a:r>
+            <a:endParaRPr lang="fr-FR" dirty="0"/>
+          </a:p>
+          <a:p>
+            <a:r>
+              <a:rPr lang="fr-FR" dirty="0"/>
+              <a:t>Test de bout en bout : </a:t>
+            </a:r>
+            <a:r>
+              <a:rPr lang="fr-FR" dirty="0" err="1"/>
+              <a:t>Cypress</a:t>
+            </a:r>
+            <a:endParaRPr lang="fr-FR" dirty="0"/>
+          </a:p>
+          <a:p>
+            <a:r>
+              <a:rPr lang="fr-FR" dirty="0"/>
+              <a:t>Test unitaire : Mocha, </a:t>
+            </a:r>
+            <a:r>
+              <a:rPr lang="fr-FR" dirty="0" err="1"/>
+              <a:t>Jest</a:t>
+            </a:r>
+            <a:r>
+              <a:rPr lang="fr-FR" dirty="0"/>
+              <a:t>, Jasmine</a:t>
+            </a:r>
+          </a:p>
+          <a:p>
+            <a:r>
+              <a:rPr lang="fr-FR" dirty="0">
+                <a:hlinkClick r:id="rId5"/>
+              </a:rPr>
+              <a:t>https://www.typescriptlang.org/</a:t>
+            </a:r>
+            <a:endParaRPr lang="fr-FR" dirty="0"/>
+          </a:p>
+          <a:p>
+            <a:endParaRPr lang="fr-FR" dirty="0"/>
+          </a:p>
+        </p:txBody>
+      </p:sp>
+    </p:spTree>
+    <p:extLst>
+      <p:ext uri="{BB962C8B-B14F-4D97-AF65-F5344CB8AC3E}">
+        <p14:creationId xmlns:p14="http://schemas.microsoft.com/office/powerpoint/2010/main" val="307168038"/>
+      </p:ext>
+    </p:extLst>
+  </p:cSld>
+  <p:clrMapOvr>
+    <a:masterClrMapping/>
+  </p:clrMapOvr>
+</p:sld>
+</file>
+
+<file path=ppt/slides/slide9.xml><?xml version="1.0" encoding="utf-8"?>
+<p:sld xmlns:a="http://schemas.openxmlformats.org/drawingml/2006/main" xmlns:r="http://schemas.openxmlformats.org/officeDocument/2006/relationships" xmlns:p="http://schemas.openxmlformats.org/presentationml/2006/main">
+  <p:cSld>
+    <p:spTree>
+      <p:nvGrpSpPr>
+        <p:cNvPr id="1" name=""/>
+        <p:cNvGrpSpPr/>
+        <p:nvPr/>
+      </p:nvGrpSpPr>
+      <p:grpSpPr>
+        <a:xfrm>
+          <a:off x="0" y="0"/>
+          <a:ext cx="0" cy="0"/>
+          <a:chOff x="0" y="0"/>
+          <a:chExt cx="0" cy="0"/>
+        </a:xfrm>
+      </p:grpSpPr>
+      <p:sp>
+        <p:nvSpPr>
+          <p:cNvPr id="2" name="Title 1">
+            <a:extLst>
+              <a:ext uri="{FF2B5EF4-FFF2-40B4-BE49-F238E27FC236}">
+                <a16:creationId xmlns:a16="http://schemas.microsoft.com/office/drawing/2014/main" id="{7A5709B5-A540-425F-A992-6E9709B0F43C}"/>
+              </a:ext>
+            </a:extLst>
+          </p:cNvPr>
+          <p:cNvSpPr>
+            <a:spLocks noGrp="1"/>
+          </p:cNvSpPr>
+          <p:nvPr>
+            <p:ph type="title"/>
+          </p:nvPr>
+        </p:nvSpPr>
+        <p:spPr/>
+        <p:txBody>
+          <a:bodyPr/>
+          <a:lstStyle/>
+          <a:p>
+            <a:r>
+              <a:rPr lang="fr-FR" dirty="0"/>
+              <a:t>IIFE</a:t>
+            </a:r>
+          </a:p>
+        </p:txBody>
+      </p:sp>
+      <p:sp>
+        <p:nvSpPr>
+          <p:cNvPr id="3" name="Content Placeholder 2">
+            <a:extLst>
+              <a:ext uri="{FF2B5EF4-FFF2-40B4-BE49-F238E27FC236}">
+                <a16:creationId xmlns:a16="http://schemas.microsoft.com/office/drawing/2014/main" id="{7391CD79-31A0-4717-8323-3647F275FE96}"/>
+              </a:ext>
+            </a:extLst>
+          </p:cNvPr>
+          <p:cNvSpPr>
+            <a:spLocks noGrp="1"/>
+          </p:cNvSpPr>
+          <p:nvPr>
+            <p:ph idx="1"/>
+          </p:nvPr>
+        </p:nvSpPr>
+        <p:spPr/>
+        <p:txBody>
+          <a:bodyPr/>
+          <a:lstStyle/>
+          <a:p>
+            <a:r>
+              <a:rPr lang="fr-FR" dirty="0" err="1"/>
+              <a:t>Immediately</a:t>
+            </a:r>
+            <a:r>
+              <a:rPr lang="fr-FR" dirty="0"/>
+              <a:t> </a:t>
+            </a:r>
+            <a:r>
+              <a:rPr lang="fr-FR" dirty="0" err="1"/>
+              <a:t>invoked</a:t>
+            </a:r>
+            <a:r>
+              <a:rPr lang="fr-FR" dirty="0"/>
+              <a:t> </a:t>
+            </a:r>
+            <a:r>
+              <a:rPr lang="fr-FR" dirty="0" err="1"/>
+              <a:t>function</a:t>
+            </a:r>
+            <a:r>
+              <a:rPr lang="fr-FR" dirty="0"/>
+              <a:t> expression</a:t>
+            </a:r>
+          </a:p>
+        </p:txBody>
+      </p:sp>
+    </p:spTree>
+    <p:extLst>
+      <p:ext uri="{BB962C8B-B14F-4D97-AF65-F5344CB8AC3E}">
+        <p14:creationId xmlns:p14="http://schemas.microsoft.com/office/powerpoint/2010/main" val="1607149772"/>
       </p:ext>
     </p:extLst>
   </p:cSld>
